--- a/Slides/ECTTP_Les_2_Variables_And_Operators.pptx
+++ b/Slides/ECTTP_Les_2_Variables_And_Operators.pptx
@@ -5,7 +5,7 @@
     <p:sldMasterId id="2147483660" r:id="rId1"/>
   </p:sldMasterIdLst>
   <p:notesMasterIdLst>
-    <p:notesMasterId r:id="rId23"/>
+    <p:notesMasterId r:id="rId24"/>
   </p:notesMasterIdLst>
   <p:sldIdLst>
     <p:sldId id="256" r:id="rId2"/>
@@ -20,15 +20,16 @@
     <p:sldId id="283" r:id="rId11"/>
     <p:sldId id="284" r:id="rId12"/>
     <p:sldId id="285" r:id="rId13"/>
-    <p:sldId id="286" r:id="rId14"/>
-    <p:sldId id="287" r:id="rId15"/>
-    <p:sldId id="288" r:id="rId16"/>
-    <p:sldId id="289" r:id="rId17"/>
-    <p:sldId id="290" r:id="rId18"/>
-    <p:sldId id="291" r:id="rId19"/>
-    <p:sldId id="292" r:id="rId20"/>
-    <p:sldId id="293" r:id="rId21"/>
-    <p:sldId id="273" r:id="rId22"/>
+    <p:sldId id="294" r:id="rId14"/>
+    <p:sldId id="286" r:id="rId15"/>
+    <p:sldId id="287" r:id="rId16"/>
+    <p:sldId id="288" r:id="rId17"/>
+    <p:sldId id="289" r:id="rId18"/>
+    <p:sldId id="290" r:id="rId19"/>
+    <p:sldId id="291" r:id="rId20"/>
+    <p:sldId id="292" r:id="rId21"/>
+    <p:sldId id="293" r:id="rId22"/>
+    <p:sldId id="273" r:id="rId23"/>
   </p:sldIdLst>
   <p:sldSz cx="9144000" cy="6858000" type="screen4x3"/>
   <p:notesSz cx="6858000" cy="9144000"/>
@@ -212,7 +213,7 @@
           <a:p>
             <a:fld id="{982F5773-A4C2-49AD-B804-F6F9DAD548FC}" type="datetimeFigureOut">
               <a:rPr lang="nl-NL" smtClean="0"/>
-              <a:t>7-9-2016</a:t>
+              <a:t>8-9-2016</a:t>
             </a:fld>
             <a:endParaRPr lang="nl-NL"/>
           </a:p>
@@ -564,6 +565,106 @@
 </p:notes>
 </file>
 
+<file path=ppt/notesSlides/notesSlide2.xml><?xml version="1.0" encoding="utf-8"?>
+<p:notes xmlns:a="http://schemas.openxmlformats.org/drawingml/2006/main" xmlns:r="http://schemas.openxmlformats.org/officeDocument/2006/relationships" xmlns:p="http://schemas.openxmlformats.org/presentationml/2006/main">
+  <p:cSld>
+    <p:spTree>
+      <p:nvGrpSpPr>
+        <p:cNvPr id="1" name=""/>
+        <p:cNvGrpSpPr/>
+        <p:nvPr/>
+      </p:nvGrpSpPr>
+      <p:grpSpPr>
+        <a:xfrm>
+          <a:off x="0" y="0"/>
+          <a:ext cx="0" cy="0"/>
+          <a:chOff x="0" y="0"/>
+          <a:chExt cx="0" cy="0"/>
+        </a:xfrm>
+      </p:grpSpPr>
+      <p:sp>
+        <p:nvSpPr>
+          <p:cNvPr id="2" name="Slide Image Placeholder 1"/>
+          <p:cNvSpPr>
+            <a:spLocks noGrp="1" noRot="1" noChangeAspect="1"/>
+          </p:cNvSpPr>
+          <p:nvPr>
+            <p:ph type="sldImg"/>
+          </p:nvPr>
+        </p:nvSpPr>
+        <p:spPr/>
+      </p:sp>
+      <p:sp>
+        <p:nvSpPr>
+          <p:cNvPr id="3" name="Notes Placeholder 2"/>
+          <p:cNvSpPr>
+            <a:spLocks noGrp="1"/>
+          </p:cNvSpPr>
+          <p:nvPr>
+            <p:ph type="body" idx="1"/>
+          </p:nvPr>
+        </p:nvSpPr>
+        <p:spPr/>
+        <p:txBody>
+          <a:bodyPr/>
+          <a:lstStyle/>
+          <a:p>
+            <a:r>
+              <a:rPr lang="nl-NL" dirty="0" smtClean="0"/>
+              <a:t>X prints</a:t>
+            </a:r>
+            <a:r>
+              <a:rPr lang="nl-NL" baseline="0" dirty="0" smtClean="0"/>
+              <a:t> 3  &gt;  2*4 = 8..... 5/8 = 0.....0 +3 = 3</a:t>
+            </a:r>
+          </a:p>
+          <a:p>
+            <a:r>
+              <a:rPr lang="nl-NL" baseline="0" dirty="0" smtClean="0"/>
+              <a:t>X prints 0 &gt;  4+3 = 7......2*7=14..... 5/14 = 0  (because of integer division)</a:t>
+            </a:r>
+          </a:p>
+          <a:p>
+            <a:endParaRPr lang="nl-NL" dirty="0"/>
+          </a:p>
+        </p:txBody>
+      </p:sp>
+      <p:sp>
+        <p:nvSpPr>
+          <p:cNvPr id="4" name="Slide Number Placeholder 3"/>
+          <p:cNvSpPr>
+            <a:spLocks noGrp="1"/>
+          </p:cNvSpPr>
+          <p:nvPr>
+            <p:ph type="sldNum" sz="quarter" idx="10"/>
+          </p:nvPr>
+        </p:nvSpPr>
+        <p:spPr/>
+        <p:txBody>
+          <a:bodyPr/>
+          <a:lstStyle/>
+          <a:p>
+            <a:fld id="{8C9DDBED-3E3D-43AF-B404-0A1C272252F3}" type="slidenum">
+              <a:rPr lang="nl-NL" smtClean="0"/>
+              <a:t>13</a:t>
+            </a:fld>
+            <a:endParaRPr lang="nl-NL"/>
+          </a:p>
+        </p:txBody>
+      </p:sp>
+    </p:spTree>
+    <p:extLst>
+      <p:ext uri="{BB962C8B-B14F-4D97-AF65-F5344CB8AC3E}">
+        <p14:creationId xmlns:p14="http://schemas.microsoft.com/office/powerpoint/2010/main" val="3547599242"/>
+      </p:ext>
+    </p:extLst>
+  </p:cSld>
+  <p:clrMapOvr>
+    <a:masterClrMapping/>
+  </p:clrMapOvr>
+</p:notes>
+</file>
+
 <file path=ppt/slideLayouts/slideLayout1.xml><?xml version="1.0" encoding="utf-8"?>
 <p:sldLayout xmlns:a="http://schemas.openxmlformats.org/drawingml/2006/main" xmlns:r="http://schemas.openxmlformats.org/officeDocument/2006/relationships" xmlns:p="http://schemas.openxmlformats.org/presentationml/2006/main" type="title" preserve="1">
   <p:cSld name="Title Slide">
@@ -756,7 +857,7 @@
           <a:p>
             <a:fld id="{DE04339C-2201-45A8-9ECB-B18791DD5D3F}" type="datetimeFigureOut">
               <a:rPr lang="nl-NL" smtClean="0"/>
-              <a:t>7-9-2016</a:t>
+              <a:t>8-9-2016</a:t>
             </a:fld>
             <a:endParaRPr lang="nl-NL"/>
           </a:p>
@@ -921,7 +1022,7 @@
           <a:p>
             <a:fld id="{DE04339C-2201-45A8-9ECB-B18791DD5D3F}" type="datetimeFigureOut">
               <a:rPr lang="nl-NL" smtClean="0"/>
-              <a:t>7-9-2016</a:t>
+              <a:t>8-9-2016</a:t>
             </a:fld>
             <a:endParaRPr lang="nl-NL"/>
           </a:p>
@@ -1096,7 +1197,7 @@
           <a:p>
             <a:fld id="{DE04339C-2201-45A8-9ECB-B18791DD5D3F}" type="datetimeFigureOut">
               <a:rPr lang="nl-NL" smtClean="0"/>
-              <a:t>7-9-2016</a:t>
+              <a:t>8-9-2016</a:t>
             </a:fld>
             <a:endParaRPr lang="nl-NL"/>
           </a:p>
@@ -1279,7 +1380,7 @@
           <a:p>
             <a:fld id="{DE04339C-2201-45A8-9ECB-B18791DD5D3F}" type="datetimeFigureOut">
               <a:rPr lang="nl-NL" smtClean="0"/>
-              <a:t>7-9-2016</a:t>
+              <a:t>8-9-2016</a:t>
             </a:fld>
             <a:endParaRPr lang="nl-NL"/>
           </a:p>
@@ -1541,7 +1642,7 @@
           <a:p>
             <a:fld id="{DE04339C-2201-45A8-9ECB-B18791DD5D3F}" type="datetimeFigureOut">
               <a:rPr lang="nl-NL" smtClean="0"/>
-              <a:t>7-9-2016</a:t>
+              <a:t>8-9-2016</a:t>
             </a:fld>
             <a:endParaRPr lang="nl-NL"/>
           </a:p>
@@ -1889,7 +1990,7 @@
           <a:p>
             <a:fld id="{DE04339C-2201-45A8-9ECB-B18791DD5D3F}" type="datetimeFigureOut">
               <a:rPr lang="nl-NL" smtClean="0"/>
-              <a:t>7-9-2016</a:t>
+              <a:t>8-9-2016</a:t>
             </a:fld>
             <a:endParaRPr lang="nl-NL"/>
           </a:p>
@@ -2197,7 +2298,7 @@
           <a:p>
             <a:fld id="{DE04339C-2201-45A8-9ECB-B18791DD5D3F}" type="datetimeFigureOut">
               <a:rPr lang="nl-NL" smtClean="0"/>
-              <a:t>7-9-2016</a:t>
+              <a:t>8-9-2016</a:t>
             </a:fld>
             <a:endParaRPr lang="nl-NL"/>
           </a:p>
@@ -2424,7 +2525,7 @@
           <a:p>
             <a:fld id="{DE04339C-2201-45A8-9ECB-B18791DD5D3F}" type="datetimeFigureOut">
               <a:rPr lang="nl-NL" smtClean="0"/>
-              <a:t>7-9-2016</a:t>
+              <a:t>8-9-2016</a:t>
             </a:fld>
             <a:endParaRPr lang="nl-NL"/>
           </a:p>
@@ -2514,7 +2615,7 @@
           <a:p>
             <a:fld id="{DE04339C-2201-45A8-9ECB-B18791DD5D3F}" type="datetimeFigureOut">
               <a:rPr lang="nl-NL" smtClean="0"/>
-              <a:t>7-9-2016</a:t>
+              <a:t>8-9-2016</a:t>
             </a:fld>
             <a:endParaRPr lang="nl-NL"/>
           </a:p>
@@ -2802,7 +2903,7 @@
           <a:p>
             <a:fld id="{DE04339C-2201-45A8-9ECB-B18791DD5D3F}" type="datetimeFigureOut">
               <a:rPr lang="nl-NL" smtClean="0"/>
-              <a:t>7-9-2016</a:t>
+              <a:t>8-9-2016</a:t>
             </a:fld>
             <a:endParaRPr lang="nl-NL"/>
           </a:p>
@@ -3071,7 +3172,7 @@
           <a:p>
             <a:fld id="{DE04339C-2201-45A8-9ECB-B18791DD5D3F}" type="datetimeFigureOut">
               <a:rPr lang="nl-NL" smtClean="0"/>
-              <a:t>7-9-2016</a:t>
+              <a:t>8-9-2016</a:t>
             </a:fld>
             <a:endParaRPr lang="nl-NL"/>
           </a:p>
@@ -3281,7 +3382,7 @@
           <a:p>
             <a:fld id="{DE04339C-2201-45A8-9ECB-B18791DD5D3F}" type="datetimeFigureOut">
               <a:rPr lang="nl-NL" smtClean="0"/>
-              <a:t>7-9-2016</a:t>
+              <a:t>8-9-2016</a:t>
             </a:fld>
             <a:endParaRPr lang="nl-NL"/>
           </a:p>
@@ -4477,6 +4578,13 @@
   <p:clrMapOvr>
     <a:masterClrMapping/>
   </p:clrMapOvr>
+  <p:timing>
+    <p:tnLst>
+      <p:par>
+        <p:cTn id="1" dur="indefinite" restart="never" nodeType="tmRoot"/>
+      </p:par>
+    </p:tnLst>
+  </p:timing>
 </p:sld>
 </file>
 
@@ -4567,7 +4675,11 @@
             </a:pPr>
             <a:r>
               <a:rPr lang="en-US" dirty="0" smtClean="0"/>
-              <a:t>Print (x) &lt;&lt;&lt; 2.666666</a:t>
+              <a:t>print </a:t>
+            </a:r>
+            <a:r>
+              <a:rPr lang="en-US" dirty="0" smtClean="0"/>
+              <a:t>(x) &lt;&lt;&lt; 2.666666</a:t>
             </a:r>
           </a:p>
           <a:p>
@@ -4591,8 +4703,41 @@
             </a:pPr>
             <a:r>
               <a:rPr lang="en-US" dirty="0" smtClean="0"/>
-              <a:t>X = 5 * 8</a:t>
-            </a:r>
+              <a:t>x </a:t>
+            </a:r>
+            <a:r>
+              <a:rPr lang="en-US" dirty="0" smtClean="0"/>
+              <a:t>= 5 * </a:t>
+            </a:r>
+            <a:r>
+              <a:rPr lang="en-US" dirty="0" smtClean="0"/>
+              <a:t>8</a:t>
+            </a:r>
+          </a:p>
+          <a:p>
+            <a:pPr marL="0" indent="0">
+              <a:buNone/>
+            </a:pPr>
+            <a:endParaRPr lang="en-US" dirty="0"/>
+          </a:p>
+          <a:p>
+            <a:pPr marL="0" indent="0">
+              <a:buNone/>
+            </a:pPr>
+            <a:r>
+              <a:rPr lang="en-US" dirty="0" smtClean="0"/>
+              <a:t>#Another operator is subtract</a:t>
+            </a:r>
+          </a:p>
+          <a:p>
+            <a:pPr marL="0" indent="0">
+              <a:buNone/>
+            </a:pPr>
+            <a:r>
+              <a:rPr lang="en-US" dirty="0" smtClean="0"/>
+              <a:t>x = 10 -12</a:t>
+            </a:r>
+            <a:endParaRPr lang="en-US" dirty="0" smtClean="0"/>
           </a:p>
           <a:p>
             <a:pPr marL="0" indent="0">
@@ -4659,6 +4804,13 @@
   <p:clrMapOvr>
     <a:masterClrMapping/>
   </p:clrMapOvr>
+  <p:timing>
+    <p:tnLst>
+      <p:par>
+        <p:cTn id="1" dur="indefinite" restart="never" nodeType="tmRoot"/>
+      </p:par>
+    </p:tnLst>
+  </p:timing>
 </p:sld>
 </file>
 
@@ -4929,6 +5081,13 @@
   <p:clrMapOvr>
     <a:masterClrMapping/>
   </p:clrMapOvr>
+  <p:timing>
+    <p:tnLst>
+      <p:par>
+        <p:cTn id="1" dur="indefinite" restart="never" nodeType="tmRoot"/>
+      </p:par>
+    </p:tnLst>
+  </p:timing>
 </p:sld>
 </file>
 
@@ -4965,10 +5124,10 @@
           <a:lstStyle/>
           <a:p>
             <a:r>
-              <a:rPr lang="en-US" dirty="0" smtClean="0"/>
-              <a:t>Types matter</a:t>
-            </a:r>
-            <a:endParaRPr lang="en-US" dirty="0"/>
+              <a:rPr lang="nl-NL" dirty="0" smtClean="0"/>
+              <a:t>Another Example</a:t>
+            </a:r>
+            <a:endParaRPr lang="nl-NL" dirty="0"/>
           </a:p>
         </p:txBody>
       </p:sp>
@@ -4987,108 +5146,53 @@
           <a:bodyPr/>
           <a:lstStyle/>
           <a:p>
-            <a:endParaRPr lang="en-US" dirty="0" smtClean="0"/>
-          </a:p>
-          <a:p>
-            <a:r>
-              <a:rPr lang="en-US" dirty="0" smtClean="0"/>
-              <a:t>Remember the Data types! (String float </a:t>
-            </a:r>
-            <a:r>
-              <a:rPr lang="en-US" dirty="0" err="1" smtClean="0"/>
-              <a:t>int</a:t>
-            </a:r>
-            <a:r>
-              <a:rPr lang="en-US" dirty="0" smtClean="0"/>
-              <a:t> </a:t>
-            </a:r>
-            <a:r>
-              <a:rPr lang="en-US" dirty="0"/>
-              <a:t>B</a:t>
-            </a:r>
-            <a:r>
-              <a:rPr lang="en-US" dirty="0" smtClean="0"/>
-              <a:t>oolean)</a:t>
-            </a:r>
-          </a:p>
-          <a:p>
-            <a:r>
-              <a:rPr lang="en-US" dirty="0" smtClean="0"/>
-              <a:t>Python knows what type a variable is</a:t>
-            </a:r>
-          </a:p>
-          <a:p>
-            <a:r>
-              <a:rPr lang="en-US" dirty="0" smtClean="0"/>
-              <a:t>Python auto types variables but what type the variable is under the hood still matters</a:t>
-            </a:r>
-          </a:p>
-          <a:p>
-            <a:endParaRPr lang="en-US" dirty="0"/>
-          </a:p>
-          <a:p>
-            <a:pPr marL="0" indent="0">
-              <a:buNone/>
-            </a:pPr>
-            <a:r>
-              <a:rPr lang="en-US" dirty="0" smtClean="0"/>
-              <a:t>#What happens?</a:t>
-            </a:r>
-          </a:p>
-          <a:p>
-            <a:pPr marL="0" indent="0">
-              <a:buNone/>
-            </a:pPr>
-            <a:r>
-              <a:rPr lang="en-US" dirty="0" smtClean="0"/>
-              <a:t>x = “cat” + 4</a:t>
-            </a:r>
-          </a:p>
-          <a:p>
-            <a:pPr marL="0" indent="0">
-              <a:buNone/>
-            </a:pPr>
-            <a:r>
-              <a:rPr lang="en-US" dirty="0" smtClean="0"/>
-              <a:t>print(x) &lt;&lt; </a:t>
-            </a:r>
-            <a:r>
-              <a:rPr lang="en-US" dirty="0" err="1" smtClean="0"/>
-              <a:t>TypeError</a:t>
-            </a:r>
-            <a:r>
-              <a:rPr lang="en-US" dirty="0" smtClean="0"/>
-              <a:t>: unsupported operand type(s) for +: ‘</a:t>
-            </a:r>
-            <a:r>
-              <a:rPr lang="en-US" dirty="0" err="1" smtClean="0"/>
-              <a:t>int</a:t>
-            </a:r>
-            <a:r>
-              <a:rPr lang="en-US" dirty="0" smtClean="0"/>
-              <a:t>’ and ‘</a:t>
-            </a:r>
-            <a:r>
-              <a:rPr lang="en-US" dirty="0" err="1" smtClean="0"/>
-              <a:t>str</a:t>
-            </a:r>
-            <a:r>
-              <a:rPr lang="en-US" dirty="0" smtClean="0"/>
-              <a:t>’ </a:t>
-            </a:r>
-          </a:p>
-          <a:p>
-            <a:endParaRPr lang="en-US" dirty="0"/>
-          </a:p>
-          <a:p>
-            <a:endParaRPr lang="en-US" dirty="0"/>
+            <a:r>
+              <a:rPr lang="nl-NL" dirty="0" smtClean="0"/>
+              <a:t>#what does x print</a:t>
+            </a:r>
+          </a:p>
+          <a:p>
+            <a:r>
+              <a:rPr lang="nl-NL" dirty="0" smtClean="0"/>
+              <a:t>X = 5 / 2 * 4 + 3</a:t>
+            </a:r>
+          </a:p>
+          <a:p>
+            <a:r>
+              <a:rPr lang="nl-NL" dirty="0" smtClean="0"/>
+              <a:t>Print(x) &lt;&lt;&lt; What is x ?</a:t>
+            </a:r>
+          </a:p>
+          <a:p>
+            <a:endParaRPr lang="nl-NL" dirty="0" smtClean="0"/>
+          </a:p>
+          <a:p>
+            <a:r>
+              <a:rPr lang="nl-NL" dirty="0" smtClean="0"/>
+              <a:t>#And now?</a:t>
+            </a:r>
+            <a:endParaRPr lang="nl-NL" dirty="0"/>
+          </a:p>
+          <a:p>
+            <a:r>
+              <a:rPr lang="nl-NL" dirty="0" smtClean="0"/>
+              <a:t>X = 5/ 2 * (4+3)</a:t>
+            </a:r>
+            <a:endParaRPr lang="nl-NL" dirty="0"/>
+          </a:p>
+          <a:p>
+            <a:r>
+              <a:rPr lang="nl-NL" dirty="0" smtClean="0"/>
+              <a:t>Print(x)</a:t>
+            </a:r>
+            <a:endParaRPr lang="nl-NL" dirty="0"/>
           </a:p>
         </p:txBody>
       </p:sp>
     </p:spTree>
     <p:extLst>
       <p:ext uri="{BB962C8B-B14F-4D97-AF65-F5344CB8AC3E}">
-        <p14:creationId xmlns:p14="http://schemas.microsoft.com/office/powerpoint/2010/main" val="1667321975"/>
+        <p14:creationId xmlns:p14="http://schemas.microsoft.com/office/powerpoint/2010/main" val="65283940"/>
       </p:ext>
     </p:extLst>
   </p:cSld>
@@ -5132,6 +5236,179 @@
           <a:p>
             <a:r>
               <a:rPr lang="en-US" dirty="0" smtClean="0"/>
+              <a:t>Types matter</a:t>
+            </a:r>
+            <a:endParaRPr lang="en-US" dirty="0"/>
+          </a:p>
+        </p:txBody>
+      </p:sp>
+      <p:sp>
+        <p:nvSpPr>
+          <p:cNvPr id="3" name="Content Placeholder 2"/>
+          <p:cNvSpPr>
+            <a:spLocks noGrp="1"/>
+          </p:cNvSpPr>
+          <p:nvPr>
+            <p:ph idx="1"/>
+          </p:nvPr>
+        </p:nvSpPr>
+        <p:spPr/>
+        <p:txBody>
+          <a:bodyPr/>
+          <a:lstStyle/>
+          <a:p>
+            <a:endParaRPr lang="en-US" dirty="0" smtClean="0"/>
+          </a:p>
+          <a:p>
+            <a:r>
+              <a:rPr lang="en-US" dirty="0" smtClean="0"/>
+              <a:t>Remember the Data types! (String float </a:t>
+            </a:r>
+            <a:r>
+              <a:rPr lang="en-US" dirty="0" err="1" smtClean="0"/>
+              <a:t>int</a:t>
+            </a:r>
+            <a:r>
+              <a:rPr lang="en-US" dirty="0" smtClean="0"/>
+              <a:t> </a:t>
+            </a:r>
+            <a:r>
+              <a:rPr lang="en-US" dirty="0"/>
+              <a:t>B</a:t>
+            </a:r>
+            <a:r>
+              <a:rPr lang="en-US" dirty="0" smtClean="0"/>
+              <a:t>oolean)</a:t>
+            </a:r>
+          </a:p>
+          <a:p>
+            <a:r>
+              <a:rPr lang="en-US" dirty="0" smtClean="0"/>
+              <a:t>Python knows what type a variable is</a:t>
+            </a:r>
+          </a:p>
+          <a:p>
+            <a:r>
+              <a:rPr lang="en-US" dirty="0" smtClean="0"/>
+              <a:t>Python auto types variables but what type the variable is under the hood still matters</a:t>
+            </a:r>
+          </a:p>
+          <a:p>
+            <a:endParaRPr lang="en-US" dirty="0"/>
+          </a:p>
+          <a:p>
+            <a:pPr marL="0" indent="0">
+              <a:buNone/>
+            </a:pPr>
+            <a:r>
+              <a:rPr lang="en-US" dirty="0" smtClean="0"/>
+              <a:t>#What happens?</a:t>
+            </a:r>
+          </a:p>
+          <a:p>
+            <a:pPr marL="0" indent="0">
+              <a:buNone/>
+            </a:pPr>
+            <a:r>
+              <a:rPr lang="en-US" dirty="0" smtClean="0"/>
+              <a:t>x = “cat” + 4</a:t>
+            </a:r>
+          </a:p>
+          <a:p>
+            <a:pPr marL="0" indent="0">
+              <a:buNone/>
+            </a:pPr>
+            <a:r>
+              <a:rPr lang="en-US" dirty="0" smtClean="0"/>
+              <a:t>print(x) &lt;&lt; </a:t>
+            </a:r>
+            <a:r>
+              <a:rPr lang="en-US" dirty="0" err="1" smtClean="0"/>
+              <a:t>TypeError</a:t>
+            </a:r>
+            <a:r>
+              <a:rPr lang="en-US" dirty="0" smtClean="0"/>
+              <a:t>: unsupported operand type(s) for +: ‘</a:t>
+            </a:r>
+            <a:r>
+              <a:rPr lang="en-US" dirty="0" err="1" smtClean="0"/>
+              <a:t>int</a:t>
+            </a:r>
+            <a:r>
+              <a:rPr lang="en-US" dirty="0" smtClean="0"/>
+              <a:t>’ and ‘</a:t>
+            </a:r>
+            <a:r>
+              <a:rPr lang="en-US" dirty="0" err="1" smtClean="0"/>
+              <a:t>str</a:t>
+            </a:r>
+            <a:r>
+              <a:rPr lang="en-US" dirty="0" smtClean="0"/>
+              <a:t>’ </a:t>
+            </a:r>
+          </a:p>
+          <a:p>
+            <a:endParaRPr lang="en-US" dirty="0"/>
+          </a:p>
+          <a:p>
+            <a:endParaRPr lang="en-US" dirty="0"/>
+          </a:p>
+        </p:txBody>
+      </p:sp>
+    </p:spTree>
+    <p:extLst>
+      <p:ext uri="{BB962C8B-B14F-4D97-AF65-F5344CB8AC3E}">
+        <p14:creationId xmlns:p14="http://schemas.microsoft.com/office/powerpoint/2010/main" val="1667321975"/>
+      </p:ext>
+    </p:extLst>
+  </p:cSld>
+  <p:clrMapOvr>
+    <a:masterClrMapping/>
+  </p:clrMapOvr>
+  <p:timing>
+    <p:tnLst>
+      <p:par>
+        <p:cTn id="1" dur="indefinite" restart="never" nodeType="tmRoot"/>
+      </p:par>
+    </p:tnLst>
+  </p:timing>
+</p:sld>
+</file>
+
+<file path=ppt/slides/slide15.xml><?xml version="1.0" encoding="utf-8"?>
+<p:sld xmlns:a="http://schemas.openxmlformats.org/drawingml/2006/main" xmlns:r="http://schemas.openxmlformats.org/officeDocument/2006/relationships" xmlns:p="http://schemas.openxmlformats.org/presentationml/2006/main">
+  <p:cSld>
+    <p:spTree>
+      <p:nvGrpSpPr>
+        <p:cNvPr id="1" name=""/>
+        <p:cNvGrpSpPr/>
+        <p:nvPr/>
+      </p:nvGrpSpPr>
+      <p:grpSpPr>
+        <a:xfrm>
+          <a:off x="0" y="0"/>
+          <a:ext cx="0" cy="0"/>
+          <a:chOff x="0" y="0"/>
+          <a:chExt cx="0" cy="0"/>
+        </a:xfrm>
+      </p:grpSpPr>
+      <p:sp>
+        <p:nvSpPr>
+          <p:cNvPr id="2" name="Title 1"/>
+          <p:cNvSpPr>
+            <a:spLocks noGrp="1"/>
+          </p:cNvSpPr>
+          <p:nvPr>
+            <p:ph type="title"/>
+          </p:nvPr>
+        </p:nvSpPr>
+        <p:spPr/>
+        <p:txBody>
+          <a:bodyPr/>
+          <a:lstStyle/>
+          <a:p>
+            <a:r>
+              <a:rPr lang="en-US" dirty="0" smtClean="0"/>
               <a:t>What’s your typo?</a:t>
             </a:r>
             <a:endParaRPr lang="en-US" dirty="0"/>
@@ -5221,10 +5498,17 @@
   <p:clrMapOvr>
     <a:masterClrMapping/>
   </p:clrMapOvr>
+  <p:timing>
+    <p:tnLst>
+      <p:par>
+        <p:cTn id="1" dur="indefinite" restart="never" nodeType="tmRoot"/>
+      </p:par>
+    </p:tnLst>
+  </p:timing>
 </p:sld>
 </file>
 
-<file path=ppt/slides/slide15.xml><?xml version="1.0" encoding="utf-8"?>
+<file path=ppt/slides/slide16.xml><?xml version="1.0" encoding="utf-8"?>
 <p:sld xmlns:a="http://schemas.openxmlformats.org/drawingml/2006/main" xmlns:r="http://schemas.openxmlformats.org/officeDocument/2006/relationships" xmlns:p="http://schemas.openxmlformats.org/presentationml/2006/main">
   <p:cSld>
     <p:spTree>
@@ -5468,146 +5752,13 @@
   <p:clrMapOvr>
     <a:masterClrMapping/>
   </p:clrMapOvr>
-</p:sld>
-</file>
-
-<file path=ppt/slides/slide16.xml><?xml version="1.0" encoding="utf-8"?>
-<p:sld xmlns:a="http://schemas.openxmlformats.org/drawingml/2006/main" xmlns:r="http://schemas.openxmlformats.org/officeDocument/2006/relationships" xmlns:p="http://schemas.openxmlformats.org/presentationml/2006/main">
-  <p:cSld>
-    <p:spTree>
-      <p:nvGrpSpPr>
-        <p:cNvPr id="1" name=""/>
-        <p:cNvGrpSpPr/>
-        <p:nvPr/>
-      </p:nvGrpSpPr>
-      <p:grpSpPr>
-        <a:xfrm>
-          <a:off x="0" y="0"/>
-          <a:ext cx="0" cy="0"/>
-          <a:chOff x="0" y="0"/>
-          <a:chExt cx="0" cy="0"/>
-        </a:xfrm>
-      </p:grpSpPr>
-      <p:sp>
-        <p:nvSpPr>
-          <p:cNvPr id="2" name="Title 1"/>
-          <p:cNvSpPr>
-            <a:spLocks noGrp="1"/>
-          </p:cNvSpPr>
-          <p:nvPr>
-            <p:ph type="title"/>
-          </p:nvPr>
-        </p:nvSpPr>
-        <p:spPr/>
-        <p:txBody>
-          <a:bodyPr/>
-          <a:lstStyle/>
-          <a:p>
-            <a:r>
-              <a:rPr lang="en-US" dirty="0" smtClean="0"/>
-              <a:t>String overloaded operators</a:t>
-            </a:r>
-            <a:endParaRPr lang="en-US" dirty="0"/>
-          </a:p>
-        </p:txBody>
-      </p:sp>
-      <p:sp>
-        <p:nvSpPr>
-          <p:cNvPr id="3" name="Content Placeholder 2"/>
-          <p:cNvSpPr>
-            <a:spLocks noGrp="1"/>
-          </p:cNvSpPr>
-          <p:nvPr>
-            <p:ph idx="1"/>
-          </p:nvPr>
-        </p:nvSpPr>
-        <p:spPr/>
-        <p:txBody>
-          <a:bodyPr/>
-          <a:lstStyle/>
-          <a:p>
-            <a:endParaRPr lang="en-US" dirty="0" smtClean="0"/>
-          </a:p>
-          <a:p>
-            <a:r>
-              <a:rPr lang="en-US" dirty="0" smtClean="0"/>
-              <a:t>You can add and multiply strings together</a:t>
-            </a:r>
-          </a:p>
-          <a:p>
-            <a:pPr marL="0" indent="0">
-              <a:buNone/>
-            </a:pPr>
-            <a:endParaRPr lang="en-US" dirty="0"/>
-          </a:p>
-          <a:p>
-            <a:pPr marL="0" indent="0">
-              <a:buNone/>
-            </a:pPr>
-            <a:r>
-              <a:rPr lang="en-US" dirty="0" smtClean="0"/>
-              <a:t>x = “hi” * 3</a:t>
-            </a:r>
-          </a:p>
-          <a:p>
-            <a:pPr marL="0" indent="0">
-              <a:buNone/>
-            </a:pPr>
-            <a:r>
-              <a:rPr lang="en-US" dirty="0" smtClean="0"/>
-              <a:t>print(x) &lt;&lt;&lt; “</a:t>
-            </a:r>
-            <a:r>
-              <a:rPr lang="en-US" dirty="0" err="1" smtClean="0"/>
-              <a:t>hihihi</a:t>
-            </a:r>
-            <a:r>
-              <a:rPr lang="en-US" dirty="0" smtClean="0"/>
-              <a:t>”</a:t>
-            </a:r>
-          </a:p>
-          <a:p>
-            <a:pPr marL="0" indent="0">
-              <a:buNone/>
-            </a:pPr>
-            <a:endParaRPr lang="en-US" dirty="0"/>
-          </a:p>
-          <a:p>
-            <a:pPr marL="0" indent="0">
-              <a:buNone/>
-            </a:pPr>
-            <a:r>
-              <a:rPr lang="en-US" dirty="0" smtClean="0"/>
-              <a:t>x = “hello” +  “world” </a:t>
-            </a:r>
-          </a:p>
-          <a:p>
-            <a:pPr marL="0" indent="0">
-              <a:buNone/>
-            </a:pPr>
-            <a:r>
-              <a:rPr lang="en-US" dirty="0" smtClean="0"/>
-              <a:t>print(x) &lt;&lt;&lt; “hello world”</a:t>
-            </a:r>
-          </a:p>
-          <a:p>
-            <a:pPr marL="0" indent="0">
-              <a:buNone/>
-            </a:pPr>
-            <a:endParaRPr lang="en-US" dirty="0"/>
-          </a:p>
-        </p:txBody>
-      </p:sp>
-    </p:spTree>
-    <p:extLst>
-      <p:ext uri="{BB962C8B-B14F-4D97-AF65-F5344CB8AC3E}">
-        <p14:creationId xmlns:p14="http://schemas.microsoft.com/office/powerpoint/2010/main" val="1559979340"/>
-      </p:ext>
-    </p:extLst>
-  </p:cSld>
-  <p:clrMapOvr>
-    <a:masterClrMapping/>
-  </p:clrMapOvr>
+  <p:timing>
+    <p:tnLst>
+      <p:par>
+        <p:cTn id="1" dur="indefinite" restart="never" nodeType="tmRoot"/>
+      </p:par>
+    </p:tnLst>
+  </p:timing>
 </p:sld>
 </file>
 
@@ -5645,7 +5796,7 @@
           <a:p>
             <a:r>
               <a:rPr lang="en-US" dirty="0" smtClean="0"/>
-              <a:t>Comments</a:t>
+              <a:t>String overloaded operators</a:t>
             </a:r>
             <a:endParaRPr lang="en-US" dirty="0"/>
           </a:p>
@@ -5671,25 +5822,45 @@
           <a:p>
             <a:r>
               <a:rPr lang="en-US" dirty="0" smtClean="0"/>
-              <a:t>Use ‘#’ to put notes in your code</a:t>
-            </a:r>
-          </a:p>
-          <a:p>
-            <a:r>
-              <a:rPr lang="en-US" dirty="0" smtClean="0"/>
-              <a:t>They do not affect the code</a:t>
-            </a:r>
-          </a:p>
-          <a:p>
-            <a:r>
-              <a:rPr lang="en-US" dirty="0" smtClean="0"/>
-              <a:t>They help you remind how your code works</a:t>
-            </a:r>
-          </a:p>
-          <a:p>
+              <a:t>You can add and multiply strings together</a:t>
+            </a:r>
+          </a:p>
+          <a:p>
+            <a:pPr marL="0" indent="0">
+              <a:buNone/>
+            </a:pPr>
             <a:endParaRPr lang="en-US" dirty="0"/>
           </a:p>
           <a:p>
+            <a:pPr marL="0" indent="0">
+              <a:buNone/>
+            </a:pPr>
+            <a:r>
+              <a:rPr lang="en-US" dirty="0" smtClean="0"/>
+              <a:t>x = “hi” * 3</a:t>
+            </a:r>
+          </a:p>
+          <a:p>
+            <a:pPr marL="0" indent="0">
+              <a:buNone/>
+            </a:pPr>
+            <a:r>
+              <a:rPr lang="en-US" dirty="0" smtClean="0"/>
+              <a:t>print(x) &lt;&lt;&lt; “</a:t>
+            </a:r>
+            <a:r>
+              <a:rPr lang="en-US" dirty="0" err="1" smtClean="0"/>
+              <a:t>hihihi</a:t>
+            </a:r>
+            <a:r>
+              <a:rPr lang="en-US" dirty="0" smtClean="0"/>
+              <a:t>”</a:t>
+            </a:r>
+          </a:p>
+          <a:p>
+            <a:pPr marL="0" indent="0">
+              <a:buNone/>
+            </a:pPr>
             <a:endParaRPr lang="en-US" dirty="0"/>
           </a:p>
           <a:p>
@@ -5698,7 +5869,24 @@
             </a:pPr>
             <a:r>
               <a:rPr lang="en-US" dirty="0" smtClean="0"/>
-              <a:t>#This is a comment!</a:t>
+              <a:t>x = “hello” +  </a:t>
+            </a:r>
+            <a:r>
+              <a:rPr lang="en-US" dirty="0" smtClean="0"/>
+              <a:t>“ world</a:t>
+            </a:r>
+            <a:r>
+              <a:rPr lang="en-US" dirty="0" smtClean="0"/>
+              <a:t>” </a:t>
+            </a:r>
+          </a:p>
+          <a:p>
+            <a:pPr marL="0" indent="0">
+              <a:buNone/>
+            </a:pPr>
+            <a:r>
+              <a:rPr lang="en-US" dirty="0" smtClean="0"/>
+              <a:t>print(x) &lt;&lt;&lt; “hello world”</a:t>
             </a:r>
           </a:p>
           <a:p>
@@ -5712,13 +5900,20 @@
     </p:spTree>
     <p:extLst>
       <p:ext uri="{BB962C8B-B14F-4D97-AF65-F5344CB8AC3E}">
-        <p14:creationId xmlns:p14="http://schemas.microsoft.com/office/powerpoint/2010/main" val="1594807564"/>
+        <p14:creationId xmlns:p14="http://schemas.microsoft.com/office/powerpoint/2010/main" val="1559979340"/>
       </p:ext>
     </p:extLst>
   </p:cSld>
   <p:clrMapOvr>
     <a:masterClrMapping/>
   </p:clrMapOvr>
+  <p:timing>
+    <p:tnLst>
+      <p:par>
+        <p:cTn id="1" dur="indefinite" restart="never" nodeType="tmRoot"/>
+      </p:par>
+    </p:tnLst>
+  </p:timing>
 </p:sld>
 </file>
 
@@ -5756,6 +5951,160 @@
           <a:p>
             <a:r>
               <a:rPr lang="en-US" dirty="0" smtClean="0"/>
+              <a:t>Comments</a:t>
+            </a:r>
+            <a:endParaRPr lang="en-US" dirty="0"/>
+          </a:p>
+        </p:txBody>
+      </p:sp>
+      <p:sp>
+        <p:nvSpPr>
+          <p:cNvPr id="3" name="Content Placeholder 2"/>
+          <p:cNvSpPr>
+            <a:spLocks noGrp="1"/>
+          </p:cNvSpPr>
+          <p:nvPr>
+            <p:ph idx="1"/>
+          </p:nvPr>
+        </p:nvSpPr>
+        <p:spPr/>
+        <p:txBody>
+          <a:bodyPr/>
+          <a:lstStyle/>
+          <a:p>
+            <a:endParaRPr lang="en-US" dirty="0" smtClean="0"/>
+          </a:p>
+          <a:p>
+            <a:r>
+              <a:rPr lang="en-US" dirty="0" smtClean="0"/>
+              <a:t>Use ‘#’ to put notes in your code</a:t>
+            </a:r>
+          </a:p>
+          <a:p>
+            <a:r>
+              <a:rPr lang="en-US" dirty="0" smtClean="0"/>
+              <a:t>They do not affect the code</a:t>
+            </a:r>
+          </a:p>
+          <a:p>
+            <a:r>
+              <a:rPr lang="en-US" dirty="0" smtClean="0"/>
+              <a:t>They help you remind how your code works</a:t>
+            </a:r>
+          </a:p>
+          <a:p>
+            <a:pPr marL="0" indent="0">
+              <a:buNone/>
+            </a:pPr>
+            <a:endParaRPr lang="en-US" dirty="0"/>
+          </a:p>
+          <a:p>
+            <a:pPr marL="0" indent="0">
+              <a:buNone/>
+            </a:pPr>
+            <a:r>
+              <a:rPr lang="en-US" dirty="0" smtClean="0"/>
+              <a:t>#This is a comment!</a:t>
+            </a:r>
+          </a:p>
+          <a:p>
+            <a:pPr marL="0" indent="0">
+              <a:buNone/>
+            </a:pPr>
+            <a:endParaRPr lang="en-US" dirty="0" smtClean="0"/>
+          </a:p>
+          <a:p>
+            <a:pPr marL="0" indent="0">
+              <a:buNone/>
+            </a:pPr>
+            <a:r>
+              <a:rPr lang="en-US" dirty="0" smtClean="0"/>
+              <a:t>‘’’</a:t>
+            </a:r>
+          </a:p>
+          <a:p>
+            <a:pPr marL="0" indent="0">
+              <a:buNone/>
+            </a:pPr>
+            <a:r>
+              <a:rPr lang="en-US" dirty="0" smtClean="0"/>
+              <a:t>This is a </a:t>
+            </a:r>
+            <a:r>
+              <a:rPr lang="en-US" dirty="0" err="1" smtClean="0"/>
+              <a:t>multicomment</a:t>
+            </a:r>
+            <a:r>
+              <a:rPr lang="en-US" dirty="0" smtClean="0"/>
+              <a:t>!</a:t>
+            </a:r>
+            <a:endParaRPr lang="en-US" dirty="0"/>
+          </a:p>
+          <a:p>
+            <a:pPr marL="0" indent="0">
+              <a:buNone/>
+            </a:pPr>
+            <a:r>
+              <a:rPr lang="en-US" dirty="0" smtClean="0"/>
+              <a:t>‘’’</a:t>
+            </a:r>
+          </a:p>
+        </p:txBody>
+      </p:sp>
+    </p:spTree>
+    <p:extLst>
+      <p:ext uri="{BB962C8B-B14F-4D97-AF65-F5344CB8AC3E}">
+        <p14:creationId xmlns:p14="http://schemas.microsoft.com/office/powerpoint/2010/main" val="1594807564"/>
+      </p:ext>
+    </p:extLst>
+  </p:cSld>
+  <p:clrMapOvr>
+    <a:masterClrMapping/>
+  </p:clrMapOvr>
+  <p:timing>
+    <p:tnLst>
+      <p:par>
+        <p:cTn id="1" dur="indefinite" restart="never" nodeType="tmRoot"/>
+      </p:par>
+    </p:tnLst>
+  </p:timing>
+</p:sld>
+</file>
+
+<file path=ppt/slides/slide19.xml><?xml version="1.0" encoding="utf-8"?>
+<p:sld xmlns:a="http://schemas.openxmlformats.org/drawingml/2006/main" xmlns:r="http://schemas.openxmlformats.org/officeDocument/2006/relationships" xmlns:p="http://schemas.openxmlformats.org/presentationml/2006/main">
+  <p:cSld>
+    <p:spTree>
+      <p:nvGrpSpPr>
+        <p:cNvPr id="1" name=""/>
+        <p:cNvGrpSpPr/>
+        <p:nvPr/>
+      </p:nvGrpSpPr>
+      <p:grpSpPr>
+        <a:xfrm>
+          <a:off x="0" y="0"/>
+          <a:ext cx="0" cy="0"/>
+          <a:chOff x="0" y="0"/>
+          <a:chExt cx="0" cy="0"/>
+        </a:xfrm>
+      </p:grpSpPr>
+      <p:sp>
+        <p:nvSpPr>
+          <p:cNvPr id="2" name="Title 1"/>
+          <p:cNvSpPr>
+            <a:spLocks noGrp="1"/>
+          </p:cNvSpPr>
+          <p:nvPr>
+            <p:ph type="title"/>
+          </p:nvPr>
+        </p:nvSpPr>
+        <p:spPr/>
+        <p:txBody>
+          <a:bodyPr/>
+          <a:lstStyle/>
+          <a:p>
+            <a:r>
+              <a:rPr lang="en-US" dirty="0" smtClean="0"/>
               <a:t>Back to Processing!</a:t>
             </a:r>
             <a:endParaRPr lang="en-US" dirty="0"/>
@@ -5913,10 +6262,267 @@
   <p:clrMapOvr>
     <a:masterClrMapping/>
   </p:clrMapOvr>
+  <p:timing>
+    <p:tnLst>
+      <p:par>
+        <p:cTn id="1" dur="indefinite" restart="never" nodeType="tmRoot"/>
+      </p:par>
+    </p:tnLst>
+  </p:timing>
 </p:sld>
 </file>
 
-<file path=ppt/slides/slide19.xml><?xml version="1.0" encoding="utf-8"?>
+<file path=ppt/slides/slide2.xml><?xml version="1.0" encoding="utf-8"?>
+<p:sld xmlns:a="http://schemas.openxmlformats.org/drawingml/2006/main" xmlns:r="http://schemas.openxmlformats.org/officeDocument/2006/relationships" xmlns:p="http://schemas.openxmlformats.org/presentationml/2006/main">
+  <p:cSld>
+    <p:spTree>
+      <p:nvGrpSpPr>
+        <p:cNvPr id="1" name=""/>
+        <p:cNvGrpSpPr/>
+        <p:nvPr/>
+      </p:nvGrpSpPr>
+      <p:grpSpPr>
+        <a:xfrm>
+          <a:off x="0" y="0"/>
+          <a:ext cx="0" cy="0"/>
+          <a:chOff x="0" y="0"/>
+          <a:chExt cx="0" cy="0"/>
+        </a:xfrm>
+      </p:grpSpPr>
+      <p:sp>
+        <p:nvSpPr>
+          <p:cNvPr id="2" name="Title 1"/>
+          <p:cNvSpPr>
+            <a:spLocks noGrp="1"/>
+          </p:cNvSpPr>
+          <p:nvPr>
+            <p:ph type="title"/>
+          </p:nvPr>
+        </p:nvSpPr>
+        <p:spPr/>
+        <p:txBody>
+          <a:bodyPr/>
+          <a:lstStyle/>
+          <a:p>
+            <a:r>
+              <a:rPr lang="nl-NL" dirty="0" smtClean="0"/>
+              <a:t>Course Overview</a:t>
+            </a:r>
+            <a:endParaRPr lang="nl-NL" dirty="0"/>
+          </a:p>
+        </p:txBody>
+      </p:sp>
+      <p:sp>
+        <p:nvSpPr>
+          <p:cNvPr id="3" name="Content Placeholder 2"/>
+          <p:cNvSpPr>
+            <a:spLocks noGrp="1"/>
+          </p:cNvSpPr>
+          <p:nvPr>
+            <p:ph idx="1"/>
+          </p:nvPr>
+        </p:nvSpPr>
+        <p:spPr/>
+        <p:txBody>
+          <a:bodyPr>
+            <a:normAutofit fontScale="85000" lnSpcReduction="20000"/>
+          </a:bodyPr>
+          <a:lstStyle/>
+          <a:p>
+            <a:r>
+              <a:rPr lang="en-US" dirty="0" smtClean="0"/>
+              <a:t>Week </a:t>
+            </a:r>
+            <a:r>
+              <a:rPr lang="en-US" dirty="0"/>
+              <a:t>One: </a:t>
+            </a:r>
+            <a:r>
+              <a:rPr lang="en-US" dirty="0" smtClean="0"/>
+              <a:t>   Course </a:t>
+            </a:r>
+            <a:r>
+              <a:rPr lang="en-US" dirty="0"/>
+              <a:t>overview</a:t>
+            </a:r>
+          </a:p>
+          <a:p>
+            <a:r>
+              <a:rPr lang="en-US" b="1" dirty="0" smtClean="0"/>
+              <a:t>Week </a:t>
+            </a:r>
+            <a:r>
+              <a:rPr lang="en-US" b="1" dirty="0"/>
+              <a:t>Two: </a:t>
+            </a:r>
+            <a:r>
+              <a:rPr lang="en-US" b="1" dirty="0" smtClean="0"/>
+              <a:t>    Variables </a:t>
+            </a:r>
+            <a:r>
+              <a:rPr lang="en-US" b="1" dirty="0" smtClean="0">
+                <a:sym typeface="Wingdings" panose="05000000000000000000" pitchFamily="2" charset="2"/>
+              </a:rPr>
+              <a:t></a:t>
+            </a:r>
+            <a:endParaRPr lang="en-US" b="1" dirty="0"/>
+          </a:p>
+          <a:p>
+            <a:r>
+              <a:rPr lang="en-US" dirty="0" smtClean="0"/>
+              <a:t>Week </a:t>
+            </a:r>
+            <a:r>
+              <a:rPr lang="en-US" dirty="0"/>
+              <a:t>Three: </a:t>
+            </a:r>
+            <a:r>
+              <a:rPr lang="en-US" dirty="0" smtClean="0"/>
+              <a:t> Operators</a:t>
+            </a:r>
+            <a:endParaRPr lang="en-US" dirty="0"/>
+          </a:p>
+          <a:p>
+            <a:r>
+              <a:rPr lang="en-US" dirty="0" smtClean="0"/>
+              <a:t>Week </a:t>
+            </a:r>
+            <a:r>
+              <a:rPr lang="en-US" dirty="0"/>
+              <a:t>Four: </a:t>
+            </a:r>
+            <a:r>
+              <a:rPr lang="en-US" dirty="0" smtClean="0"/>
+              <a:t>   </a:t>
+            </a:r>
+            <a:r>
+              <a:rPr lang="en-US" dirty="0" smtClean="0"/>
+              <a:t>Conditions </a:t>
+            </a:r>
+            <a:endParaRPr lang="en-US" dirty="0"/>
+          </a:p>
+          <a:p>
+            <a:r>
+              <a:rPr lang="en-US" dirty="0" smtClean="0"/>
+              <a:t>Week Five:     Loops </a:t>
+            </a:r>
+            <a:endParaRPr lang="en-US" dirty="0"/>
+          </a:p>
+          <a:p>
+            <a:r>
+              <a:rPr lang="en-US" dirty="0" smtClean="0"/>
+              <a:t>Week Six:        Functions</a:t>
+            </a:r>
+          </a:p>
+          <a:p>
+            <a:r>
+              <a:rPr lang="en-US" dirty="0" smtClean="0"/>
+              <a:t>Week </a:t>
+            </a:r>
+            <a:r>
+              <a:rPr lang="en-US" dirty="0"/>
+              <a:t>Seven:    </a:t>
+            </a:r>
+          </a:p>
+          <a:p>
+            <a:r>
+              <a:rPr lang="en-US" dirty="0" smtClean="0"/>
+              <a:t>Week </a:t>
+            </a:r>
+            <a:r>
+              <a:rPr lang="en-US" dirty="0"/>
+              <a:t>Eight: </a:t>
+            </a:r>
+            <a:r>
+              <a:rPr lang="en-US" dirty="0" smtClean="0"/>
+              <a:t> (</a:t>
+            </a:r>
+            <a:r>
+              <a:rPr lang="en-US" dirty="0"/>
+              <a:t>Files, Exceptions, IO)</a:t>
+            </a:r>
+          </a:p>
+          <a:p>
+            <a:r>
+              <a:rPr lang="en-US" b="1" dirty="0" smtClean="0"/>
+              <a:t>First </a:t>
+            </a:r>
+            <a:r>
+              <a:rPr lang="en-US" b="1" dirty="0"/>
+              <a:t>Test!</a:t>
+            </a:r>
+          </a:p>
+          <a:p>
+            <a:r>
+              <a:rPr lang="en-US" dirty="0" smtClean="0"/>
+              <a:t>Week </a:t>
+            </a:r>
+            <a:r>
+              <a:rPr lang="en-US" dirty="0"/>
+              <a:t>Eleven: </a:t>
+            </a:r>
+            <a:r>
+              <a:rPr lang="en-US" dirty="0" smtClean="0"/>
+              <a:t> Lists   </a:t>
+            </a:r>
+            <a:endParaRPr lang="en-US" dirty="0"/>
+          </a:p>
+          <a:p>
+            <a:r>
+              <a:rPr lang="en-US" dirty="0" smtClean="0"/>
+              <a:t>Week Twelve: Classes and Objects</a:t>
+            </a:r>
+          </a:p>
+          <a:p>
+            <a:r>
+              <a:rPr lang="en-US" dirty="0" smtClean="0"/>
+              <a:t>Week Thirteen:</a:t>
+            </a:r>
+          </a:p>
+          <a:p>
+            <a:r>
+              <a:rPr lang="en-US" dirty="0" smtClean="0"/>
+              <a:t>Week </a:t>
+            </a:r>
+            <a:r>
+              <a:rPr lang="en-US" dirty="0"/>
+              <a:t>Fourteen:</a:t>
+            </a:r>
+          </a:p>
+          <a:p>
+            <a:r>
+              <a:rPr lang="en-US" b="1" dirty="0" smtClean="0"/>
+              <a:t>Second </a:t>
+            </a:r>
+            <a:r>
+              <a:rPr lang="en-US" b="1" dirty="0"/>
+              <a:t>Test!</a:t>
+            </a:r>
+            <a:endParaRPr lang="nl-NL" b="1" dirty="0"/>
+          </a:p>
+        </p:txBody>
+      </p:sp>
+    </p:spTree>
+    <p:extLst>
+      <p:ext uri="{BB962C8B-B14F-4D97-AF65-F5344CB8AC3E}">
+        <p14:creationId xmlns:p14="http://schemas.microsoft.com/office/powerpoint/2010/main" val="199330318"/>
+      </p:ext>
+    </p:extLst>
+  </p:cSld>
+  <p:clrMapOvr>
+    <a:masterClrMapping/>
+  </p:clrMapOvr>
+  <p:timing>
+    <p:tnLst>
+      <p:par>
+        <p:cTn id="1" dur="indefinite" restart="never" nodeType="tmRoot"/>
+      </p:par>
+    </p:tnLst>
+  </p:timing>
+</p:sld>
+</file>
+
+<file path=ppt/slides/slide20.xml><?xml version="1.0" encoding="utf-8"?>
 <p:sld xmlns:a="http://schemas.openxmlformats.org/drawingml/2006/main" xmlns:r="http://schemas.openxmlformats.org/officeDocument/2006/relationships" xmlns:p="http://schemas.openxmlformats.org/presentationml/2006/main">
   <p:cSld>
     <p:spTree>
@@ -6127,262 +6733,6 @@
   <p:clrMapOvr>
     <a:masterClrMapping/>
   </p:clrMapOvr>
-</p:sld>
-</file>
-
-<file path=ppt/slides/slide2.xml><?xml version="1.0" encoding="utf-8"?>
-<p:sld xmlns:a="http://schemas.openxmlformats.org/drawingml/2006/main" xmlns:r="http://schemas.openxmlformats.org/officeDocument/2006/relationships" xmlns:p="http://schemas.openxmlformats.org/presentationml/2006/main">
-  <p:cSld>
-    <p:spTree>
-      <p:nvGrpSpPr>
-        <p:cNvPr id="1" name=""/>
-        <p:cNvGrpSpPr/>
-        <p:nvPr/>
-      </p:nvGrpSpPr>
-      <p:grpSpPr>
-        <a:xfrm>
-          <a:off x="0" y="0"/>
-          <a:ext cx="0" cy="0"/>
-          <a:chOff x="0" y="0"/>
-          <a:chExt cx="0" cy="0"/>
-        </a:xfrm>
-      </p:grpSpPr>
-      <p:sp>
-        <p:nvSpPr>
-          <p:cNvPr id="2" name="Title 1"/>
-          <p:cNvSpPr>
-            <a:spLocks noGrp="1"/>
-          </p:cNvSpPr>
-          <p:nvPr>
-            <p:ph type="title"/>
-          </p:nvPr>
-        </p:nvSpPr>
-        <p:spPr/>
-        <p:txBody>
-          <a:bodyPr/>
-          <a:lstStyle/>
-          <a:p>
-            <a:r>
-              <a:rPr lang="nl-NL" dirty="0" smtClean="0"/>
-              <a:t>Course Overview</a:t>
-            </a:r>
-            <a:endParaRPr lang="nl-NL" dirty="0"/>
-          </a:p>
-        </p:txBody>
-      </p:sp>
-      <p:sp>
-        <p:nvSpPr>
-          <p:cNvPr id="3" name="Content Placeholder 2"/>
-          <p:cNvSpPr>
-            <a:spLocks noGrp="1"/>
-          </p:cNvSpPr>
-          <p:nvPr>
-            <p:ph idx="1"/>
-          </p:nvPr>
-        </p:nvSpPr>
-        <p:spPr/>
-        <p:txBody>
-          <a:bodyPr>
-            <a:normAutofit fontScale="85000" lnSpcReduction="20000"/>
-          </a:bodyPr>
-          <a:lstStyle/>
-          <a:p>
-            <a:r>
-              <a:rPr lang="en-US" dirty="0" smtClean="0"/>
-              <a:t>Week </a:t>
-            </a:r>
-            <a:r>
-              <a:rPr lang="en-US" dirty="0"/>
-              <a:t>One: </a:t>
-            </a:r>
-            <a:r>
-              <a:rPr lang="en-US" dirty="0" smtClean="0"/>
-              <a:t>   Course </a:t>
-            </a:r>
-            <a:r>
-              <a:rPr lang="en-US" dirty="0"/>
-              <a:t>overview</a:t>
-            </a:r>
-          </a:p>
-          <a:p>
-            <a:r>
-              <a:rPr lang="en-US" b="1" dirty="0" smtClean="0"/>
-              <a:t>Week </a:t>
-            </a:r>
-            <a:r>
-              <a:rPr lang="en-US" b="1" dirty="0"/>
-              <a:t>Two: </a:t>
-            </a:r>
-            <a:r>
-              <a:rPr lang="en-US" b="1" dirty="0" smtClean="0"/>
-              <a:t>    Variables </a:t>
-            </a:r>
-            <a:r>
-              <a:rPr lang="en-US" b="1" dirty="0" smtClean="0">
-                <a:sym typeface="Wingdings" panose="05000000000000000000" pitchFamily="2" charset="2"/>
-              </a:rPr>
-              <a:t></a:t>
-            </a:r>
-            <a:endParaRPr lang="en-US" b="1" dirty="0"/>
-          </a:p>
-          <a:p>
-            <a:r>
-              <a:rPr lang="en-US" dirty="0" smtClean="0"/>
-              <a:t>Week </a:t>
-            </a:r>
-            <a:r>
-              <a:rPr lang="en-US" dirty="0"/>
-              <a:t>Three: </a:t>
-            </a:r>
-            <a:r>
-              <a:rPr lang="en-US" dirty="0" smtClean="0"/>
-              <a:t> Operators</a:t>
-            </a:r>
-            <a:endParaRPr lang="en-US" dirty="0"/>
-          </a:p>
-          <a:p>
-            <a:r>
-              <a:rPr lang="en-US" dirty="0" smtClean="0"/>
-              <a:t>Week </a:t>
-            </a:r>
-            <a:r>
-              <a:rPr lang="en-US" dirty="0"/>
-              <a:t>Four: </a:t>
-            </a:r>
-            <a:r>
-              <a:rPr lang="en-US" dirty="0" smtClean="0"/>
-              <a:t>   Conditions </a:t>
-            </a:r>
-            <a:endParaRPr lang="en-US" dirty="0"/>
-          </a:p>
-          <a:p>
-            <a:r>
-              <a:rPr lang="en-US" dirty="0" smtClean="0"/>
-              <a:t>Week </a:t>
-            </a:r>
-            <a:r>
-              <a:rPr lang="en-US" dirty="0"/>
-              <a:t>Five: </a:t>
-            </a:r>
-            <a:r>
-              <a:rPr lang="en-US" dirty="0" smtClean="0"/>
-              <a:t>    Loops </a:t>
-            </a:r>
-            <a:endParaRPr lang="en-US" dirty="0"/>
-          </a:p>
-          <a:p>
-            <a:r>
-              <a:rPr lang="en-US" dirty="0" smtClean="0"/>
-              <a:t>Week </a:t>
-            </a:r>
-            <a:r>
-              <a:rPr lang="en-US" dirty="0"/>
-              <a:t>Six: </a:t>
-            </a:r>
-            <a:r>
-              <a:rPr lang="en-US" dirty="0" smtClean="0"/>
-              <a:t>       Functions</a:t>
-            </a:r>
-            <a:endParaRPr lang="en-US" dirty="0"/>
-          </a:p>
-          <a:p>
-            <a:r>
-              <a:rPr lang="en-US" dirty="0" smtClean="0"/>
-              <a:t>Week </a:t>
-            </a:r>
-            <a:r>
-              <a:rPr lang="en-US" dirty="0"/>
-              <a:t>Seven:    </a:t>
-            </a:r>
-          </a:p>
-          <a:p>
-            <a:r>
-              <a:rPr lang="en-US" dirty="0" smtClean="0"/>
-              <a:t>Week </a:t>
-            </a:r>
-            <a:r>
-              <a:rPr lang="en-US" dirty="0"/>
-              <a:t>Eight: </a:t>
-            </a:r>
-            <a:r>
-              <a:rPr lang="en-US" dirty="0" smtClean="0"/>
-              <a:t> (</a:t>
-            </a:r>
-            <a:r>
-              <a:rPr lang="en-US" dirty="0"/>
-              <a:t>Files, Exceptions, IO)</a:t>
-            </a:r>
-          </a:p>
-          <a:p>
-            <a:r>
-              <a:rPr lang="en-US" b="1" dirty="0" smtClean="0"/>
-              <a:t>First </a:t>
-            </a:r>
-            <a:r>
-              <a:rPr lang="en-US" b="1" dirty="0"/>
-              <a:t>Test!</a:t>
-            </a:r>
-          </a:p>
-          <a:p>
-            <a:r>
-              <a:rPr lang="en-US" dirty="0" smtClean="0"/>
-              <a:t>Week </a:t>
-            </a:r>
-            <a:r>
-              <a:rPr lang="en-US" dirty="0"/>
-              <a:t>Eleven: </a:t>
-            </a:r>
-            <a:r>
-              <a:rPr lang="en-US" dirty="0" smtClean="0"/>
-              <a:t> Lists   </a:t>
-            </a:r>
-            <a:endParaRPr lang="en-US" dirty="0"/>
-          </a:p>
-          <a:p>
-            <a:r>
-              <a:rPr lang="en-US" dirty="0" smtClean="0"/>
-              <a:t>Week Twelve: Classes and Objects</a:t>
-            </a:r>
-          </a:p>
-          <a:p>
-            <a:r>
-              <a:rPr lang="en-US" dirty="0" smtClean="0"/>
-              <a:t>Week Thirteen:</a:t>
-            </a:r>
-          </a:p>
-          <a:p>
-            <a:r>
-              <a:rPr lang="en-US" dirty="0" smtClean="0"/>
-              <a:t>Week </a:t>
-            </a:r>
-            <a:r>
-              <a:rPr lang="en-US" dirty="0"/>
-              <a:t>Fourteen:</a:t>
-            </a:r>
-          </a:p>
-          <a:p>
-            <a:r>
-              <a:rPr lang="en-US" b="1" dirty="0" smtClean="0"/>
-              <a:t>Second </a:t>
-            </a:r>
-            <a:r>
-              <a:rPr lang="en-US" b="1" dirty="0"/>
-              <a:t>Test!</a:t>
-            </a:r>
-            <a:endParaRPr lang="nl-NL" b="1" dirty="0"/>
-          </a:p>
-        </p:txBody>
-      </p:sp>
-    </p:spTree>
-    <p:extLst>
-      <p:ext uri="{BB962C8B-B14F-4D97-AF65-F5344CB8AC3E}">
-        <p14:creationId xmlns:p14="http://schemas.microsoft.com/office/powerpoint/2010/main" val="199330318"/>
-      </p:ext>
-    </p:extLst>
-  </p:cSld>
-  <p:clrMapOvr>
-    <a:masterClrMapping/>
-  </p:clrMapOvr>
   <p:timing>
     <p:tnLst>
       <p:par>
@@ -6393,7 +6743,7 @@
 </p:sld>
 </file>
 
-<file path=ppt/slides/slide20.xml><?xml version="1.0" encoding="utf-8"?>
+<file path=ppt/slides/slide21.xml><?xml version="1.0" encoding="utf-8"?>
 <p:sld xmlns:a="http://schemas.openxmlformats.org/drawingml/2006/main" xmlns:r="http://schemas.openxmlformats.org/officeDocument/2006/relationships" xmlns:p="http://schemas.openxmlformats.org/presentationml/2006/main">
   <p:cSld>
     <p:spTree>
@@ -6542,10 +6892,17 @@
   <p:clrMapOvr>
     <a:masterClrMapping/>
   </p:clrMapOvr>
+  <p:timing>
+    <p:tnLst>
+      <p:par>
+        <p:cTn id="1" dur="indefinite" restart="never" nodeType="tmRoot"/>
+      </p:par>
+    </p:tnLst>
+  </p:timing>
 </p:sld>
 </file>
 
-<file path=ppt/slides/slide21.xml><?xml version="1.0" encoding="utf-8"?>
+<file path=ppt/slides/slide22.xml><?xml version="1.0" encoding="utf-8"?>
 <p:sld xmlns:a="http://schemas.openxmlformats.org/drawingml/2006/main" xmlns:r="http://schemas.openxmlformats.org/officeDocument/2006/relationships" xmlns:p="http://schemas.openxmlformats.org/presentationml/2006/main">
   <p:cSld>
     <p:spTree>
@@ -6579,11 +6936,7 @@
           <a:p>
             <a:r>
               <a:rPr lang="nl-NL" dirty="0" smtClean="0"/>
-              <a:t>Second </a:t>
-            </a:r>
-            <a:r>
-              <a:rPr lang="nl-NL" dirty="0" smtClean="0"/>
-              <a:t>lab is online</a:t>
+              <a:t>Second lab is online</a:t>
             </a:r>
             <a:endParaRPr lang="nl-NL" dirty="0"/>
           </a:p>
@@ -6690,25 +7043,8 @@
             </a:pPr>
             <a:r>
               <a:rPr lang="nl-NL" sz="1800" dirty="0" smtClean="0"/>
-              <a:t>#For more </a:t>
-            </a:r>
-            <a:r>
-              <a:rPr lang="nl-NL" sz="1800" dirty="0" err="1" smtClean="0"/>
-              <a:t>practice</a:t>
-            </a:r>
-            <a:r>
-              <a:rPr lang="nl-NL" sz="1800" dirty="0" smtClean="0"/>
-              <a:t> </a:t>
-            </a:r>
-            <a:r>
-              <a:rPr lang="nl-NL" sz="1800" dirty="0" err="1" smtClean="0"/>
-              <a:t>with</a:t>
-            </a:r>
-            <a:r>
-              <a:rPr lang="nl-NL" sz="1800" smtClean="0"/>
-              <a:t> python!</a:t>
-            </a:r>
-            <a:endParaRPr lang="nl-NL" sz="1800" dirty="0" smtClean="0"/>
+              <a:t>#For more practice with python!</a:t>
+            </a:r>
           </a:p>
           <a:p>
             <a:pPr marL="0" indent="0">
@@ -6889,6 +7225,13 @@
   <p:clrMapOvr>
     <a:masterClrMapping/>
   </p:clrMapOvr>
+  <p:timing>
+    <p:tnLst>
+      <p:par>
+        <p:cTn id="1" dur="indefinite" restart="never" nodeType="tmRoot"/>
+      </p:par>
+    </p:tnLst>
+  </p:timing>
 </p:sld>
 </file>
 
@@ -6964,11 +7307,7 @@
             </a:r>
             <a:r>
               <a:rPr lang="nl-NL" dirty="0" smtClean="0"/>
-              <a:t> </a:t>
-            </a:r>
-            <a:r>
-              <a:rPr lang="nl-NL" dirty="0" smtClean="0"/>
-              <a:t>constants are all of the numbers.</a:t>
+              <a:t> constants are all of the numbers.</a:t>
             </a:r>
           </a:p>
           <a:p>
@@ -7112,6 +7451,13 @@
   <p:clrMapOvr>
     <a:masterClrMapping/>
   </p:clrMapOvr>
+  <p:timing>
+    <p:tnLst>
+      <p:par>
+        <p:cTn id="1" dur="indefinite" restart="never" nodeType="tmRoot"/>
+      </p:par>
+    </p:tnLst>
+  </p:timing>
 </p:sld>
 </file>
 
@@ -7252,6 +7598,13 @@
   <p:clrMapOvr>
     <a:masterClrMapping/>
   </p:clrMapOvr>
+  <p:timing>
+    <p:tnLst>
+      <p:par>
+        <p:cTn id="1" dur="indefinite" restart="never" nodeType="tmRoot"/>
+      </p:par>
+    </p:tnLst>
+  </p:timing>
 </p:sld>
 </file>
 
@@ -7376,6 +7729,13 @@
   <p:clrMapOvr>
     <a:masterClrMapping/>
   </p:clrMapOvr>
+  <p:timing>
+    <p:tnLst>
+      <p:par>
+        <p:cTn id="1" dur="indefinite" restart="never" nodeType="tmRoot"/>
+      </p:par>
+    </p:tnLst>
+  </p:timing>
 </p:sld>
 </file>
 
@@ -7543,6 +7903,13 @@
   <p:clrMapOvr>
     <a:masterClrMapping/>
   </p:clrMapOvr>
+  <p:timing>
+    <p:tnLst>
+      <p:par>
+        <p:cTn id="1" dur="indefinite" restart="never" nodeType="tmRoot"/>
+      </p:par>
+    </p:tnLst>
+  </p:timing>
 </p:sld>
 </file>
 
@@ -7767,6 +8134,13 @@
   <p:clrMapOvr>
     <a:masterClrMapping/>
   </p:clrMapOvr>
+  <p:timing>
+    <p:tnLst>
+      <p:par>
+        <p:cTn id="1" dur="indefinite" restart="never" nodeType="tmRoot"/>
+      </p:par>
+    </p:tnLst>
+  </p:timing>
 </p:sld>
 </file>
 
@@ -7905,6 +8279,13 @@
   <p:clrMapOvr>
     <a:masterClrMapping/>
   </p:clrMapOvr>
+  <p:timing>
+    <p:tnLst>
+      <p:par>
+        <p:cTn id="1" dur="indefinite" restart="never" nodeType="tmRoot"/>
+      </p:par>
+    </p:tnLst>
+  </p:timing>
 </p:sld>
 </file>
 

--- a/Slides/ECTTP_Les_2_Variables_And_Operators.pptx
+++ b/Slides/ECTTP_Les_2_Variables_And_Operators.pptx
@@ -213,7 +213,7 @@
           <a:p>
             <a:fld id="{982F5773-A4C2-49AD-B804-F6F9DAD548FC}" type="datetimeFigureOut">
               <a:rPr lang="nl-NL" smtClean="0"/>
-              <a:t>8-9-2016</a:t>
+              <a:t>12-9-2016</a:t>
             </a:fld>
             <a:endParaRPr lang="nl-NL"/>
           </a:p>
@@ -525,6 +525,90 @@
           <a:bodyPr/>
           <a:lstStyle/>
           <a:p>
+            <a:endParaRPr lang="nl-NL"/>
+          </a:p>
+        </p:txBody>
+      </p:sp>
+      <p:sp>
+        <p:nvSpPr>
+          <p:cNvPr id="4" name="Slide Number Placeholder 3"/>
+          <p:cNvSpPr>
+            <a:spLocks noGrp="1"/>
+          </p:cNvSpPr>
+          <p:nvPr>
+            <p:ph type="sldNum" sz="quarter" idx="10"/>
+          </p:nvPr>
+        </p:nvSpPr>
+        <p:spPr/>
+        <p:txBody>
+          <a:bodyPr/>
+          <a:lstStyle/>
+          <a:p>
+            <a:fld id="{8C9DDBED-3E3D-43AF-B404-0A1C272252F3}" type="slidenum">
+              <a:rPr lang="nl-NL" smtClean="0"/>
+              <a:t>1</a:t>
+            </a:fld>
+            <a:endParaRPr lang="nl-NL"/>
+          </a:p>
+        </p:txBody>
+      </p:sp>
+    </p:spTree>
+    <p:extLst>
+      <p:ext uri="{BB962C8B-B14F-4D97-AF65-F5344CB8AC3E}">
+        <p14:creationId xmlns:p14="http://schemas.microsoft.com/office/powerpoint/2010/main" val="492641499"/>
+      </p:ext>
+    </p:extLst>
+  </p:cSld>
+  <p:clrMapOvr>
+    <a:masterClrMapping/>
+  </p:clrMapOvr>
+</p:notes>
+</file>
+
+<file path=ppt/notesSlides/notesSlide10.xml><?xml version="1.0" encoding="utf-8"?>
+<p:notes xmlns:a="http://schemas.openxmlformats.org/drawingml/2006/main" xmlns:r="http://schemas.openxmlformats.org/officeDocument/2006/relationships" xmlns:p="http://schemas.openxmlformats.org/presentationml/2006/main">
+  <p:cSld>
+    <p:spTree>
+      <p:nvGrpSpPr>
+        <p:cNvPr id="1" name=""/>
+        <p:cNvGrpSpPr/>
+        <p:nvPr/>
+      </p:nvGrpSpPr>
+      <p:grpSpPr>
+        <a:xfrm>
+          <a:off x="0" y="0"/>
+          <a:ext cx="0" cy="0"/>
+          <a:chOff x="0" y="0"/>
+          <a:chExt cx="0" cy="0"/>
+        </a:xfrm>
+      </p:grpSpPr>
+      <p:sp>
+        <p:nvSpPr>
+          <p:cNvPr id="2" name="Slide Image Placeholder 1"/>
+          <p:cNvSpPr>
+            <a:spLocks noGrp="1" noRot="1" noChangeAspect="1"/>
+          </p:cNvSpPr>
+          <p:nvPr>
+            <p:ph type="sldImg"/>
+          </p:nvPr>
+        </p:nvSpPr>
+        <p:spPr/>
+      </p:sp>
+      <p:sp>
+        <p:nvSpPr>
+          <p:cNvPr id="3" name="Notes Placeholder 2"/>
+          <p:cNvSpPr>
+            <a:spLocks noGrp="1"/>
+          </p:cNvSpPr>
+          <p:nvPr>
+            <p:ph type="body" idx="1"/>
+          </p:nvPr>
+        </p:nvSpPr>
+        <p:spPr/>
+        <p:txBody>
+          <a:bodyPr/>
+          <a:lstStyle/>
+          <a:p>
             <a:endParaRPr lang="en-US" dirty="0"/>
           </a:p>
         </p:txBody>
@@ -556,6 +640,778 @@
     <p:extLst>
       <p:ext uri="{BB962C8B-B14F-4D97-AF65-F5344CB8AC3E}">
         <p14:creationId xmlns:p14="http://schemas.microsoft.com/office/powerpoint/2010/main" val="2888320429"/>
+      </p:ext>
+    </p:extLst>
+  </p:cSld>
+  <p:clrMapOvr>
+    <a:masterClrMapping/>
+  </p:clrMapOvr>
+</p:notes>
+</file>
+
+<file path=ppt/notesSlides/notesSlide11.xml><?xml version="1.0" encoding="utf-8"?>
+<p:notes xmlns:a="http://schemas.openxmlformats.org/drawingml/2006/main" xmlns:r="http://schemas.openxmlformats.org/officeDocument/2006/relationships" xmlns:p="http://schemas.openxmlformats.org/presentationml/2006/main">
+  <p:cSld>
+    <p:spTree>
+      <p:nvGrpSpPr>
+        <p:cNvPr id="1" name=""/>
+        <p:cNvGrpSpPr/>
+        <p:nvPr/>
+      </p:nvGrpSpPr>
+      <p:grpSpPr>
+        <a:xfrm>
+          <a:off x="0" y="0"/>
+          <a:ext cx="0" cy="0"/>
+          <a:chOff x="0" y="0"/>
+          <a:chExt cx="0" cy="0"/>
+        </a:xfrm>
+      </p:grpSpPr>
+      <p:sp>
+        <p:nvSpPr>
+          <p:cNvPr id="2" name="Slide Image Placeholder 1"/>
+          <p:cNvSpPr>
+            <a:spLocks noGrp="1" noRot="1" noChangeAspect="1"/>
+          </p:cNvSpPr>
+          <p:nvPr>
+            <p:ph type="sldImg"/>
+          </p:nvPr>
+        </p:nvSpPr>
+        <p:spPr/>
+      </p:sp>
+      <p:sp>
+        <p:nvSpPr>
+          <p:cNvPr id="3" name="Notes Placeholder 2"/>
+          <p:cNvSpPr>
+            <a:spLocks noGrp="1"/>
+          </p:cNvSpPr>
+          <p:nvPr>
+            <p:ph type="body" idx="1"/>
+          </p:nvPr>
+        </p:nvSpPr>
+        <p:spPr/>
+        <p:txBody>
+          <a:bodyPr/>
+          <a:lstStyle/>
+          <a:p>
+            <a:endParaRPr lang="nl-NL"/>
+          </a:p>
+        </p:txBody>
+      </p:sp>
+      <p:sp>
+        <p:nvSpPr>
+          <p:cNvPr id="4" name="Slide Number Placeholder 3"/>
+          <p:cNvSpPr>
+            <a:spLocks noGrp="1"/>
+          </p:cNvSpPr>
+          <p:nvPr>
+            <p:ph type="sldNum" sz="quarter" idx="10"/>
+          </p:nvPr>
+        </p:nvSpPr>
+        <p:spPr/>
+        <p:txBody>
+          <a:bodyPr/>
+          <a:lstStyle/>
+          <a:p>
+            <a:fld id="{8C9DDBED-3E3D-43AF-B404-0A1C272252F3}" type="slidenum">
+              <a:rPr lang="nl-NL" smtClean="0"/>
+              <a:t>11</a:t>
+            </a:fld>
+            <a:endParaRPr lang="nl-NL"/>
+          </a:p>
+        </p:txBody>
+      </p:sp>
+    </p:spTree>
+    <p:extLst>
+      <p:ext uri="{BB962C8B-B14F-4D97-AF65-F5344CB8AC3E}">
+        <p14:creationId xmlns:p14="http://schemas.microsoft.com/office/powerpoint/2010/main" val="1905009330"/>
+      </p:ext>
+    </p:extLst>
+  </p:cSld>
+  <p:clrMapOvr>
+    <a:masterClrMapping/>
+  </p:clrMapOvr>
+</p:notes>
+</file>
+
+<file path=ppt/notesSlides/notesSlide12.xml><?xml version="1.0" encoding="utf-8"?>
+<p:notes xmlns:a="http://schemas.openxmlformats.org/drawingml/2006/main" xmlns:r="http://schemas.openxmlformats.org/officeDocument/2006/relationships" xmlns:p="http://schemas.openxmlformats.org/presentationml/2006/main">
+  <p:cSld>
+    <p:spTree>
+      <p:nvGrpSpPr>
+        <p:cNvPr id="1" name=""/>
+        <p:cNvGrpSpPr/>
+        <p:nvPr/>
+      </p:nvGrpSpPr>
+      <p:grpSpPr>
+        <a:xfrm>
+          <a:off x="0" y="0"/>
+          <a:ext cx="0" cy="0"/>
+          <a:chOff x="0" y="0"/>
+          <a:chExt cx="0" cy="0"/>
+        </a:xfrm>
+      </p:grpSpPr>
+      <p:sp>
+        <p:nvSpPr>
+          <p:cNvPr id="2" name="Slide Image Placeholder 1"/>
+          <p:cNvSpPr>
+            <a:spLocks noGrp="1" noRot="1" noChangeAspect="1"/>
+          </p:cNvSpPr>
+          <p:nvPr>
+            <p:ph type="sldImg"/>
+          </p:nvPr>
+        </p:nvSpPr>
+        <p:spPr/>
+      </p:sp>
+      <p:sp>
+        <p:nvSpPr>
+          <p:cNvPr id="3" name="Notes Placeholder 2"/>
+          <p:cNvSpPr>
+            <a:spLocks noGrp="1"/>
+          </p:cNvSpPr>
+          <p:nvPr>
+            <p:ph type="body" idx="1"/>
+          </p:nvPr>
+        </p:nvSpPr>
+        <p:spPr/>
+        <p:txBody>
+          <a:bodyPr/>
+          <a:lstStyle/>
+          <a:p>
+            <a:endParaRPr lang="nl-NL"/>
+          </a:p>
+        </p:txBody>
+      </p:sp>
+      <p:sp>
+        <p:nvSpPr>
+          <p:cNvPr id="4" name="Slide Number Placeholder 3"/>
+          <p:cNvSpPr>
+            <a:spLocks noGrp="1"/>
+          </p:cNvSpPr>
+          <p:nvPr>
+            <p:ph type="sldNum" sz="quarter" idx="10"/>
+          </p:nvPr>
+        </p:nvSpPr>
+        <p:spPr/>
+        <p:txBody>
+          <a:bodyPr/>
+          <a:lstStyle/>
+          <a:p>
+            <a:fld id="{8C9DDBED-3E3D-43AF-B404-0A1C272252F3}" type="slidenum">
+              <a:rPr lang="nl-NL" smtClean="0"/>
+              <a:t>12</a:t>
+            </a:fld>
+            <a:endParaRPr lang="nl-NL"/>
+          </a:p>
+        </p:txBody>
+      </p:sp>
+    </p:spTree>
+    <p:extLst>
+      <p:ext uri="{BB962C8B-B14F-4D97-AF65-F5344CB8AC3E}">
+        <p14:creationId xmlns:p14="http://schemas.microsoft.com/office/powerpoint/2010/main" val="3246761155"/>
+      </p:ext>
+    </p:extLst>
+  </p:cSld>
+  <p:clrMapOvr>
+    <a:masterClrMapping/>
+  </p:clrMapOvr>
+</p:notes>
+</file>
+
+<file path=ppt/notesSlides/notesSlide13.xml><?xml version="1.0" encoding="utf-8"?>
+<p:notes xmlns:a="http://schemas.openxmlformats.org/drawingml/2006/main" xmlns:r="http://schemas.openxmlformats.org/officeDocument/2006/relationships" xmlns:p="http://schemas.openxmlformats.org/presentationml/2006/main">
+  <p:cSld>
+    <p:spTree>
+      <p:nvGrpSpPr>
+        <p:cNvPr id="1" name=""/>
+        <p:cNvGrpSpPr/>
+        <p:nvPr/>
+      </p:nvGrpSpPr>
+      <p:grpSpPr>
+        <a:xfrm>
+          <a:off x="0" y="0"/>
+          <a:ext cx="0" cy="0"/>
+          <a:chOff x="0" y="0"/>
+          <a:chExt cx="0" cy="0"/>
+        </a:xfrm>
+      </p:grpSpPr>
+      <p:sp>
+        <p:nvSpPr>
+          <p:cNvPr id="2" name="Slide Image Placeholder 1"/>
+          <p:cNvSpPr>
+            <a:spLocks noGrp="1" noRot="1" noChangeAspect="1"/>
+          </p:cNvSpPr>
+          <p:nvPr>
+            <p:ph type="sldImg"/>
+          </p:nvPr>
+        </p:nvSpPr>
+        <p:spPr/>
+      </p:sp>
+      <p:sp>
+        <p:nvSpPr>
+          <p:cNvPr id="3" name="Notes Placeholder 2"/>
+          <p:cNvSpPr>
+            <a:spLocks noGrp="1"/>
+          </p:cNvSpPr>
+          <p:nvPr>
+            <p:ph type="body" idx="1"/>
+          </p:nvPr>
+        </p:nvSpPr>
+        <p:spPr/>
+        <p:txBody>
+          <a:bodyPr/>
+          <a:lstStyle/>
+          <a:p>
+            <a:r>
+              <a:rPr lang="nl-NL" dirty="0" smtClean="0"/>
+              <a:t>X prints</a:t>
+            </a:r>
+            <a:r>
+              <a:rPr lang="nl-NL" baseline="0" dirty="0" smtClean="0"/>
+              <a:t> 3  &gt;  2*4 = 8..... 5/8 = 0.....0 +3 = 3</a:t>
+            </a:r>
+          </a:p>
+          <a:p>
+            <a:r>
+              <a:rPr lang="nl-NL" baseline="0" dirty="0" smtClean="0"/>
+              <a:t>X prints 0 &gt;  4+3 = 7......2*7=14..... 5/14 = 0  (because of integer division)</a:t>
+            </a:r>
+          </a:p>
+          <a:p>
+            <a:endParaRPr lang="nl-NL" dirty="0"/>
+          </a:p>
+        </p:txBody>
+      </p:sp>
+      <p:sp>
+        <p:nvSpPr>
+          <p:cNvPr id="4" name="Slide Number Placeholder 3"/>
+          <p:cNvSpPr>
+            <a:spLocks noGrp="1"/>
+          </p:cNvSpPr>
+          <p:nvPr>
+            <p:ph type="sldNum" sz="quarter" idx="10"/>
+          </p:nvPr>
+        </p:nvSpPr>
+        <p:spPr/>
+        <p:txBody>
+          <a:bodyPr/>
+          <a:lstStyle/>
+          <a:p>
+            <a:fld id="{8C9DDBED-3E3D-43AF-B404-0A1C272252F3}" type="slidenum">
+              <a:rPr lang="nl-NL" smtClean="0"/>
+              <a:t>13</a:t>
+            </a:fld>
+            <a:endParaRPr lang="nl-NL"/>
+          </a:p>
+        </p:txBody>
+      </p:sp>
+    </p:spTree>
+    <p:extLst>
+      <p:ext uri="{BB962C8B-B14F-4D97-AF65-F5344CB8AC3E}">
+        <p14:creationId xmlns:p14="http://schemas.microsoft.com/office/powerpoint/2010/main" val="3547599242"/>
+      </p:ext>
+    </p:extLst>
+  </p:cSld>
+  <p:clrMapOvr>
+    <a:masterClrMapping/>
+  </p:clrMapOvr>
+</p:notes>
+</file>
+
+<file path=ppt/notesSlides/notesSlide14.xml><?xml version="1.0" encoding="utf-8"?>
+<p:notes xmlns:a="http://schemas.openxmlformats.org/drawingml/2006/main" xmlns:r="http://schemas.openxmlformats.org/officeDocument/2006/relationships" xmlns:p="http://schemas.openxmlformats.org/presentationml/2006/main">
+  <p:cSld>
+    <p:spTree>
+      <p:nvGrpSpPr>
+        <p:cNvPr id="1" name=""/>
+        <p:cNvGrpSpPr/>
+        <p:nvPr/>
+      </p:nvGrpSpPr>
+      <p:grpSpPr>
+        <a:xfrm>
+          <a:off x="0" y="0"/>
+          <a:ext cx="0" cy="0"/>
+          <a:chOff x="0" y="0"/>
+          <a:chExt cx="0" cy="0"/>
+        </a:xfrm>
+      </p:grpSpPr>
+      <p:sp>
+        <p:nvSpPr>
+          <p:cNvPr id="2" name="Slide Image Placeholder 1"/>
+          <p:cNvSpPr>
+            <a:spLocks noGrp="1" noRot="1" noChangeAspect="1"/>
+          </p:cNvSpPr>
+          <p:nvPr>
+            <p:ph type="sldImg"/>
+          </p:nvPr>
+        </p:nvSpPr>
+        <p:spPr/>
+      </p:sp>
+      <p:sp>
+        <p:nvSpPr>
+          <p:cNvPr id="3" name="Notes Placeholder 2"/>
+          <p:cNvSpPr>
+            <a:spLocks noGrp="1"/>
+          </p:cNvSpPr>
+          <p:nvPr>
+            <p:ph type="body" idx="1"/>
+          </p:nvPr>
+        </p:nvSpPr>
+        <p:spPr/>
+        <p:txBody>
+          <a:bodyPr/>
+          <a:lstStyle/>
+          <a:p>
+            <a:endParaRPr lang="nl-NL"/>
+          </a:p>
+        </p:txBody>
+      </p:sp>
+      <p:sp>
+        <p:nvSpPr>
+          <p:cNvPr id="4" name="Slide Number Placeholder 3"/>
+          <p:cNvSpPr>
+            <a:spLocks noGrp="1"/>
+          </p:cNvSpPr>
+          <p:nvPr>
+            <p:ph type="sldNum" sz="quarter" idx="10"/>
+          </p:nvPr>
+        </p:nvSpPr>
+        <p:spPr/>
+        <p:txBody>
+          <a:bodyPr/>
+          <a:lstStyle/>
+          <a:p>
+            <a:fld id="{8C9DDBED-3E3D-43AF-B404-0A1C272252F3}" type="slidenum">
+              <a:rPr lang="nl-NL" smtClean="0"/>
+              <a:t>14</a:t>
+            </a:fld>
+            <a:endParaRPr lang="nl-NL"/>
+          </a:p>
+        </p:txBody>
+      </p:sp>
+    </p:spTree>
+    <p:extLst>
+      <p:ext uri="{BB962C8B-B14F-4D97-AF65-F5344CB8AC3E}">
+        <p14:creationId xmlns:p14="http://schemas.microsoft.com/office/powerpoint/2010/main" val="1318229969"/>
+      </p:ext>
+    </p:extLst>
+  </p:cSld>
+  <p:clrMapOvr>
+    <a:masterClrMapping/>
+  </p:clrMapOvr>
+</p:notes>
+</file>
+
+<file path=ppt/notesSlides/notesSlide15.xml><?xml version="1.0" encoding="utf-8"?>
+<p:notes xmlns:a="http://schemas.openxmlformats.org/drawingml/2006/main" xmlns:r="http://schemas.openxmlformats.org/officeDocument/2006/relationships" xmlns:p="http://schemas.openxmlformats.org/presentationml/2006/main">
+  <p:cSld>
+    <p:spTree>
+      <p:nvGrpSpPr>
+        <p:cNvPr id="1" name=""/>
+        <p:cNvGrpSpPr/>
+        <p:nvPr/>
+      </p:nvGrpSpPr>
+      <p:grpSpPr>
+        <a:xfrm>
+          <a:off x="0" y="0"/>
+          <a:ext cx="0" cy="0"/>
+          <a:chOff x="0" y="0"/>
+          <a:chExt cx="0" cy="0"/>
+        </a:xfrm>
+      </p:grpSpPr>
+      <p:sp>
+        <p:nvSpPr>
+          <p:cNvPr id="2" name="Slide Image Placeholder 1"/>
+          <p:cNvSpPr>
+            <a:spLocks noGrp="1" noRot="1" noChangeAspect="1"/>
+          </p:cNvSpPr>
+          <p:nvPr>
+            <p:ph type="sldImg"/>
+          </p:nvPr>
+        </p:nvSpPr>
+        <p:spPr/>
+      </p:sp>
+      <p:sp>
+        <p:nvSpPr>
+          <p:cNvPr id="3" name="Notes Placeholder 2"/>
+          <p:cNvSpPr>
+            <a:spLocks noGrp="1"/>
+          </p:cNvSpPr>
+          <p:nvPr>
+            <p:ph type="body" idx="1"/>
+          </p:nvPr>
+        </p:nvSpPr>
+        <p:spPr/>
+        <p:txBody>
+          <a:bodyPr/>
+          <a:lstStyle/>
+          <a:p>
+            <a:endParaRPr lang="nl-NL"/>
+          </a:p>
+        </p:txBody>
+      </p:sp>
+      <p:sp>
+        <p:nvSpPr>
+          <p:cNvPr id="4" name="Slide Number Placeholder 3"/>
+          <p:cNvSpPr>
+            <a:spLocks noGrp="1"/>
+          </p:cNvSpPr>
+          <p:nvPr>
+            <p:ph type="sldNum" sz="quarter" idx="10"/>
+          </p:nvPr>
+        </p:nvSpPr>
+        <p:spPr/>
+        <p:txBody>
+          <a:bodyPr/>
+          <a:lstStyle/>
+          <a:p>
+            <a:fld id="{8C9DDBED-3E3D-43AF-B404-0A1C272252F3}" type="slidenum">
+              <a:rPr lang="nl-NL" smtClean="0"/>
+              <a:t>15</a:t>
+            </a:fld>
+            <a:endParaRPr lang="nl-NL"/>
+          </a:p>
+        </p:txBody>
+      </p:sp>
+    </p:spTree>
+    <p:extLst>
+      <p:ext uri="{BB962C8B-B14F-4D97-AF65-F5344CB8AC3E}">
+        <p14:creationId xmlns:p14="http://schemas.microsoft.com/office/powerpoint/2010/main" val="2025030593"/>
+      </p:ext>
+    </p:extLst>
+  </p:cSld>
+  <p:clrMapOvr>
+    <a:masterClrMapping/>
+  </p:clrMapOvr>
+</p:notes>
+</file>
+
+<file path=ppt/notesSlides/notesSlide16.xml><?xml version="1.0" encoding="utf-8"?>
+<p:notes xmlns:a="http://schemas.openxmlformats.org/drawingml/2006/main" xmlns:r="http://schemas.openxmlformats.org/officeDocument/2006/relationships" xmlns:p="http://schemas.openxmlformats.org/presentationml/2006/main">
+  <p:cSld>
+    <p:spTree>
+      <p:nvGrpSpPr>
+        <p:cNvPr id="1" name=""/>
+        <p:cNvGrpSpPr/>
+        <p:nvPr/>
+      </p:nvGrpSpPr>
+      <p:grpSpPr>
+        <a:xfrm>
+          <a:off x="0" y="0"/>
+          <a:ext cx="0" cy="0"/>
+          <a:chOff x="0" y="0"/>
+          <a:chExt cx="0" cy="0"/>
+        </a:xfrm>
+      </p:grpSpPr>
+      <p:sp>
+        <p:nvSpPr>
+          <p:cNvPr id="2" name="Slide Image Placeholder 1"/>
+          <p:cNvSpPr>
+            <a:spLocks noGrp="1" noRot="1" noChangeAspect="1"/>
+          </p:cNvSpPr>
+          <p:nvPr>
+            <p:ph type="sldImg"/>
+          </p:nvPr>
+        </p:nvSpPr>
+        <p:spPr/>
+      </p:sp>
+      <p:sp>
+        <p:nvSpPr>
+          <p:cNvPr id="3" name="Notes Placeholder 2"/>
+          <p:cNvSpPr>
+            <a:spLocks noGrp="1"/>
+          </p:cNvSpPr>
+          <p:nvPr>
+            <p:ph type="body" idx="1"/>
+          </p:nvPr>
+        </p:nvSpPr>
+        <p:spPr/>
+        <p:txBody>
+          <a:bodyPr/>
+          <a:lstStyle/>
+          <a:p>
+            <a:endParaRPr lang="nl-NL"/>
+          </a:p>
+        </p:txBody>
+      </p:sp>
+      <p:sp>
+        <p:nvSpPr>
+          <p:cNvPr id="4" name="Slide Number Placeholder 3"/>
+          <p:cNvSpPr>
+            <a:spLocks noGrp="1"/>
+          </p:cNvSpPr>
+          <p:nvPr>
+            <p:ph type="sldNum" sz="quarter" idx="10"/>
+          </p:nvPr>
+        </p:nvSpPr>
+        <p:spPr/>
+        <p:txBody>
+          <a:bodyPr/>
+          <a:lstStyle/>
+          <a:p>
+            <a:fld id="{8C9DDBED-3E3D-43AF-B404-0A1C272252F3}" type="slidenum">
+              <a:rPr lang="nl-NL" smtClean="0"/>
+              <a:t>16</a:t>
+            </a:fld>
+            <a:endParaRPr lang="nl-NL"/>
+          </a:p>
+        </p:txBody>
+      </p:sp>
+    </p:spTree>
+    <p:extLst>
+      <p:ext uri="{BB962C8B-B14F-4D97-AF65-F5344CB8AC3E}">
+        <p14:creationId xmlns:p14="http://schemas.microsoft.com/office/powerpoint/2010/main" val="4056947212"/>
+      </p:ext>
+    </p:extLst>
+  </p:cSld>
+  <p:clrMapOvr>
+    <a:masterClrMapping/>
+  </p:clrMapOvr>
+</p:notes>
+</file>
+
+<file path=ppt/notesSlides/notesSlide17.xml><?xml version="1.0" encoding="utf-8"?>
+<p:notes xmlns:a="http://schemas.openxmlformats.org/drawingml/2006/main" xmlns:r="http://schemas.openxmlformats.org/officeDocument/2006/relationships" xmlns:p="http://schemas.openxmlformats.org/presentationml/2006/main">
+  <p:cSld>
+    <p:spTree>
+      <p:nvGrpSpPr>
+        <p:cNvPr id="1" name=""/>
+        <p:cNvGrpSpPr/>
+        <p:nvPr/>
+      </p:nvGrpSpPr>
+      <p:grpSpPr>
+        <a:xfrm>
+          <a:off x="0" y="0"/>
+          <a:ext cx="0" cy="0"/>
+          <a:chOff x="0" y="0"/>
+          <a:chExt cx="0" cy="0"/>
+        </a:xfrm>
+      </p:grpSpPr>
+      <p:sp>
+        <p:nvSpPr>
+          <p:cNvPr id="2" name="Slide Image Placeholder 1"/>
+          <p:cNvSpPr>
+            <a:spLocks noGrp="1" noRot="1" noChangeAspect="1"/>
+          </p:cNvSpPr>
+          <p:nvPr>
+            <p:ph type="sldImg"/>
+          </p:nvPr>
+        </p:nvSpPr>
+        <p:spPr/>
+      </p:sp>
+      <p:sp>
+        <p:nvSpPr>
+          <p:cNvPr id="3" name="Notes Placeholder 2"/>
+          <p:cNvSpPr>
+            <a:spLocks noGrp="1"/>
+          </p:cNvSpPr>
+          <p:nvPr>
+            <p:ph type="body" idx="1"/>
+          </p:nvPr>
+        </p:nvSpPr>
+        <p:spPr/>
+        <p:txBody>
+          <a:bodyPr/>
+          <a:lstStyle/>
+          <a:p>
+            <a:endParaRPr lang="nl-NL"/>
+          </a:p>
+        </p:txBody>
+      </p:sp>
+      <p:sp>
+        <p:nvSpPr>
+          <p:cNvPr id="4" name="Slide Number Placeholder 3"/>
+          <p:cNvSpPr>
+            <a:spLocks noGrp="1"/>
+          </p:cNvSpPr>
+          <p:nvPr>
+            <p:ph type="sldNum" sz="quarter" idx="10"/>
+          </p:nvPr>
+        </p:nvSpPr>
+        <p:spPr/>
+        <p:txBody>
+          <a:bodyPr/>
+          <a:lstStyle/>
+          <a:p>
+            <a:fld id="{8C9DDBED-3E3D-43AF-B404-0A1C272252F3}" type="slidenum">
+              <a:rPr lang="nl-NL" smtClean="0"/>
+              <a:t>17</a:t>
+            </a:fld>
+            <a:endParaRPr lang="nl-NL"/>
+          </a:p>
+        </p:txBody>
+      </p:sp>
+    </p:spTree>
+    <p:extLst>
+      <p:ext uri="{BB962C8B-B14F-4D97-AF65-F5344CB8AC3E}">
+        <p14:creationId xmlns:p14="http://schemas.microsoft.com/office/powerpoint/2010/main" val="502242010"/>
+      </p:ext>
+    </p:extLst>
+  </p:cSld>
+  <p:clrMapOvr>
+    <a:masterClrMapping/>
+  </p:clrMapOvr>
+</p:notes>
+</file>
+
+<file path=ppt/notesSlides/notesSlide18.xml><?xml version="1.0" encoding="utf-8"?>
+<p:notes xmlns:a="http://schemas.openxmlformats.org/drawingml/2006/main" xmlns:r="http://schemas.openxmlformats.org/officeDocument/2006/relationships" xmlns:p="http://schemas.openxmlformats.org/presentationml/2006/main">
+  <p:cSld>
+    <p:spTree>
+      <p:nvGrpSpPr>
+        <p:cNvPr id="1" name=""/>
+        <p:cNvGrpSpPr/>
+        <p:nvPr/>
+      </p:nvGrpSpPr>
+      <p:grpSpPr>
+        <a:xfrm>
+          <a:off x="0" y="0"/>
+          <a:ext cx="0" cy="0"/>
+          <a:chOff x="0" y="0"/>
+          <a:chExt cx="0" cy="0"/>
+        </a:xfrm>
+      </p:grpSpPr>
+      <p:sp>
+        <p:nvSpPr>
+          <p:cNvPr id="2" name="Slide Image Placeholder 1"/>
+          <p:cNvSpPr>
+            <a:spLocks noGrp="1" noRot="1" noChangeAspect="1"/>
+          </p:cNvSpPr>
+          <p:nvPr>
+            <p:ph type="sldImg"/>
+          </p:nvPr>
+        </p:nvSpPr>
+        <p:spPr/>
+      </p:sp>
+      <p:sp>
+        <p:nvSpPr>
+          <p:cNvPr id="3" name="Notes Placeholder 2"/>
+          <p:cNvSpPr>
+            <a:spLocks noGrp="1"/>
+          </p:cNvSpPr>
+          <p:nvPr>
+            <p:ph type="body" idx="1"/>
+          </p:nvPr>
+        </p:nvSpPr>
+        <p:spPr/>
+        <p:txBody>
+          <a:bodyPr/>
+          <a:lstStyle/>
+          <a:p>
+            <a:endParaRPr lang="nl-NL"/>
+          </a:p>
+        </p:txBody>
+      </p:sp>
+      <p:sp>
+        <p:nvSpPr>
+          <p:cNvPr id="4" name="Slide Number Placeholder 3"/>
+          <p:cNvSpPr>
+            <a:spLocks noGrp="1"/>
+          </p:cNvSpPr>
+          <p:nvPr>
+            <p:ph type="sldNum" sz="quarter" idx="10"/>
+          </p:nvPr>
+        </p:nvSpPr>
+        <p:spPr/>
+        <p:txBody>
+          <a:bodyPr/>
+          <a:lstStyle/>
+          <a:p>
+            <a:fld id="{8C9DDBED-3E3D-43AF-B404-0A1C272252F3}" type="slidenum">
+              <a:rPr lang="nl-NL" smtClean="0"/>
+              <a:t>18</a:t>
+            </a:fld>
+            <a:endParaRPr lang="nl-NL"/>
+          </a:p>
+        </p:txBody>
+      </p:sp>
+    </p:spTree>
+    <p:extLst>
+      <p:ext uri="{BB962C8B-B14F-4D97-AF65-F5344CB8AC3E}">
+        <p14:creationId xmlns:p14="http://schemas.microsoft.com/office/powerpoint/2010/main" val="2268429592"/>
+      </p:ext>
+    </p:extLst>
+  </p:cSld>
+  <p:clrMapOvr>
+    <a:masterClrMapping/>
+  </p:clrMapOvr>
+</p:notes>
+</file>
+
+<file path=ppt/notesSlides/notesSlide19.xml><?xml version="1.0" encoding="utf-8"?>
+<p:notes xmlns:a="http://schemas.openxmlformats.org/drawingml/2006/main" xmlns:r="http://schemas.openxmlformats.org/officeDocument/2006/relationships" xmlns:p="http://schemas.openxmlformats.org/presentationml/2006/main">
+  <p:cSld>
+    <p:spTree>
+      <p:nvGrpSpPr>
+        <p:cNvPr id="1" name=""/>
+        <p:cNvGrpSpPr/>
+        <p:nvPr/>
+      </p:nvGrpSpPr>
+      <p:grpSpPr>
+        <a:xfrm>
+          <a:off x="0" y="0"/>
+          <a:ext cx="0" cy="0"/>
+          <a:chOff x="0" y="0"/>
+          <a:chExt cx="0" cy="0"/>
+        </a:xfrm>
+      </p:grpSpPr>
+      <p:sp>
+        <p:nvSpPr>
+          <p:cNvPr id="2" name="Slide Image Placeholder 1"/>
+          <p:cNvSpPr>
+            <a:spLocks noGrp="1" noRot="1" noChangeAspect="1"/>
+          </p:cNvSpPr>
+          <p:nvPr>
+            <p:ph type="sldImg"/>
+          </p:nvPr>
+        </p:nvSpPr>
+        <p:spPr/>
+      </p:sp>
+      <p:sp>
+        <p:nvSpPr>
+          <p:cNvPr id="3" name="Notes Placeholder 2"/>
+          <p:cNvSpPr>
+            <a:spLocks noGrp="1"/>
+          </p:cNvSpPr>
+          <p:nvPr>
+            <p:ph type="body" idx="1"/>
+          </p:nvPr>
+        </p:nvSpPr>
+        <p:spPr/>
+        <p:txBody>
+          <a:bodyPr/>
+          <a:lstStyle/>
+          <a:p>
+            <a:endParaRPr lang="nl-NL"/>
+          </a:p>
+        </p:txBody>
+      </p:sp>
+      <p:sp>
+        <p:nvSpPr>
+          <p:cNvPr id="4" name="Slide Number Placeholder 3"/>
+          <p:cNvSpPr>
+            <a:spLocks noGrp="1"/>
+          </p:cNvSpPr>
+          <p:nvPr>
+            <p:ph type="sldNum" sz="quarter" idx="10"/>
+          </p:nvPr>
+        </p:nvSpPr>
+        <p:spPr/>
+        <p:txBody>
+          <a:bodyPr/>
+          <a:lstStyle/>
+          <a:p>
+            <a:fld id="{8C9DDBED-3E3D-43AF-B404-0A1C272252F3}" type="slidenum">
+              <a:rPr lang="nl-NL" smtClean="0"/>
+              <a:t>19</a:t>
+            </a:fld>
+            <a:endParaRPr lang="nl-NL"/>
+          </a:p>
+        </p:txBody>
+      </p:sp>
+    </p:spTree>
+    <p:extLst>
+      <p:ext uri="{BB962C8B-B14F-4D97-AF65-F5344CB8AC3E}">
+        <p14:creationId xmlns:p14="http://schemas.microsoft.com/office/powerpoint/2010/main" val="592476709"/>
       </p:ext>
     </p:extLst>
   </p:cSld>
@@ -609,23 +1465,7 @@
           <a:bodyPr/>
           <a:lstStyle/>
           <a:p>
-            <a:r>
-              <a:rPr lang="nl-NL" dirty="0" smtClean="0"/>
-              <a:t>X prints</a:t>
-            </a:r>
-            <a:r>
-              <a:rPr lang="nl-NL" baseline="0" dirty="0" smtClean="0"/>
-              <a:t> 3  &gt;  2*4 = 8..... 5/8 = 0.....0 +3 = 3</a:t>
-            </a:r>
-          </a:p>
-          <a:p>
-            <a:r>
-              <a:rPr lang="nl-NL" baseline="0" dirty="0" smtClean="0"/>
-              <a:t>X prints 0 &gt;  4+3 = 7......2*7=14..... 5/14 = 0  (because of integer division)</a:t>
-            </a:r>
-          </a:p>
-          <a:p>
-            <a:endParaRPr lang="nl-NL" dirty="0"/>
+            <a:endParaRPr lang="nl-NL"/>
           </a:p>
         </p:txBody>
       </p:sp>
@@ -646,7 +1486,7 @@
           <a:p>
             <a:fld id="{8C9DDBED-3E3D-43AF-B404-0A1C272252F3}" type="slidenum">
               <a:rPr lang="nl-NL" smtClean="0"/>
-              <a:t>13</a:t>
+              <a:t>2</a:t>
             </a:fld>
             <a:endParaRPr lang="nl-NL"/>
           </a:p>
@@ -655,7 +1495,847 @@
     </p:spTree>
     <p:extLst>
       <p:ext uri="{BB962C8B-B14F-4D97-AF65-F5344CB8AC3E}">
-        <p14:creationId xmlns:p14="http://schemas.microsoft.com/office/powerpoint/2010/main" val="3547599242"/>
+        <p14:creationId xmlns:p14="http://schemas.microsoft.com/office/powerpoint/2010/main" val="3459385836"/>
+      </p:ext>
+    </p:extLst>
+  </p:cSld>
+  <p:clrMapOvr>
+    <a:masterClrMapping/>
+  </p:clrMapOvr>
+</p:notes>
+</file>
+
+<file path=ppt/notesSlides/notesSlide20.xml><?xml version="1.0" encoding="utf-8"?>
+<p:notes xmlns:a="http://schemas.openxmlformats.org/drawingml/2006/main" xmlns:r="http://schemas.openxmlformats.org/officeDocument/2006/relationships" xmlns:p="http://schemas.openxmlformats.org/presentationml/2006/main">
+  <p:cSld>
+    <p:spTree>
+      <p:nvGrpSpPr>
+        <p:cNvPr id="1" name=""/>
+        <p:cNvGrpSpPr/>
+        <p:nvPr/>
+      </p:nvGrpSpPr>
+      <p:grpSpPr>
+        <a:xfrm>
+          <a:off x="0" y="0"/>
+          <a:ext cx="0" cy="0"/>
+          <a:chOff x="0" y="0"/>
+          <a:chExt cx="0" cy="0"/>
+        </a:xfrm>
+      </p:grpSpPr>
+      <p:sp>
+        <p:nvSpPr>
+          <p:cNvPr id="2" name="Slide Image Placeholder 1"/>
+          <p:cNvSpPr>
+            <a:spLocks noGrp="1" noRot="1" noChangeAspect="1"/>
+          </p:cNvSpPr>
+          <p:nvPr>
+            <p:ph type="sldImg"/>
+          </p:nvPr>
+        </p:nvSpPr>
+        <p:spPr/>
+      </p:sp>
+      <p:sp>
+        <p:nvSpPr>
+          <p:cNvPr id="3" name="Notes Placeholder 2"/>
+          <p:cNvSpPr>
+            <a:spLocks noGrp="1"/>
+          </p:cNvSpPr>
+          <p:nvPr>
+            <p:ph type="body" idx="1"/>
+          </p:nvPr>
+        </p:nvSpPr>
+        <p:spPr/>
+        <p:txBody>
+          <a:bodyPr/>
+          <a:lstStyle/>
+          <a:p>
+            <a:endParaRPr lang="nl-NL"/>
+          </a:p>
+        </p:txBody>
+      </p:sp>
+      <p:sp>
+        <p:nvSpPr>
+          <p:cNvPr id="4" name="Slide Number Placeholder 3"/>
+          <p:cNvSpPr>
+            <a:spLocks noGrp="1"/>
+          </p:cNvSpPr>
+          <p:nvPr>
+            <p:ph type="sldNum" sz="quarter" idx="10"/>
+          </p:nvPr>
+        </p:nvSpPr>
+        <p:spPr/>
+        <p:txBody>
+          <a:bodyPr/>
+          <a:lstStyle/>
+          <a:p>
+            <a:fld id="{8C9DDBED-3E3D-43AF-B404-0A1C272252F3}" type="slidenum">
+              <a:rPr lang="nl-NL" smtClean="0"/>
+              <a:t>20</a:t>
+            </a:fld>
+            <a:endParaRPr lang="nl-NL"/>
+          </a:p>
+        </p:txBody>
+      </p:sp>
+    </p:spTree>
+    <p:extLst>
+      <p:ext uri="{BB962C8B-B14F-4D97-AF65-F5344CB8AC3E}">
+        <p14:creationId xmlns:p14="http://schemas.microsoft.com/office/powerpoint/2010/main" val="1602501906"/>
+      </p:ext>
+    </p:extLst>
+  </p:cSld>
+  <p:clrMapOvr>
+    <a:masterClrMapping/>
+  </p:clrMapOvr>
+</p:notes>
+</file>
+
+<file path=ppt/notesSlides/notesSlide21.xml><?xml version="1.0" encoding="utf-8"?>
+<p:notes xmlns:a="http://schemas.openxmlformats.org/drawingml/2006/main" xmlns:r="http://schemas.openxmlformats.org/officeDocument/2006/relationships" xmlns:p="http://schemas.openxmlformats.org/presentationml/2006/main">
+  <p:cSld>
+    <p:spTree>
+      <p:nvGrpSpPr>
+        <p:cNvPr id="1" name=""/>
+        <p:cNvGrpSpPr/>
+        <p:nvPr/>
+      </p:nvGrpSpPr>
+      <p:grpSpPr>
+        <a:xfrm>
+          <a:off x="0" y="0"/>
+          <a:ext cx="0" cy="0"/>
+          <a:chOff x="0" y="0"/>
+          <a:chExt cx="0" cy="0"/>
+        </a:xfrm>
+      </p:grpSpPr>
+      <p:sp>
+        <p:nvSpPr>
+          <p:cNvPr id="2" name="Slide Image Placeholder 1"/>
+          <p:cNvSpPr>
+            <a:spLocks noGrp="1" noRot="1" noChangeAspect="1"/>
+          </p:cNvSpPr>
+          <p:nvPr>
+            <p:ph type="sldImg"/>
+          </p:nvPr>
+        </p:nvSpPr>
+        <p:spPr/>
+      </p:sp>
+      <p:sp>
+        <p:nvSpPr>
+          <p:cNvPr id="3" name="Notes Placeholder 2"/>
+          <p:cNvSpPr>
+            <a:spLocks noGrp="1"/>
+          </p:cNvSpPr>
+          <p:nvPr>
+            <p:ph type="body" idx="1"/>
+          </p:nvPr>
+        </p:nvSpPr>
+        <p:spPr/>
+        <p:txBody>
+          <a:bodyPr/>
+          <a:lstStyle/>
+          <a:p>
+            <a:endParaRPr lang="nl-NL"/>
+          </a:p>
+        </p:txBody>
+      </p:sp>
+      <p:sp>
+        <p:nvSpPr>
+          <p:cNvPr id="4" name="Slide Number Placeholder 3"/>
+          <p:cNvSpPr>
+            <a:spLocks noGrp="1"/>
+          </p:cNvSpPr>
+          <p:nvPr>
+            <p:ph type="sldNum" sz="quarter" idx="10"/>
+          </p:nvPr>
+        </p:nvSpPr>
+        <p:spPr/>
+        <p:txBody>
+          <a:bodyPr/>
+          <a:lstStyle/>
+          <a:p>
+            <a:fld id="{8C9DDBED-3E3D-43AF-B404-0A1C272252F3}" type="slidenum">
+              <a:rPr lang="nl-NL" smtClean="0"/>
+              <a:t>21</a:t>
+            </a:fld>
+            <a:endParaRPr lang="nl-NL"/>
+          </a:p>
+        </p:txBody>
+      </p:sp>
+    </p:spTree>
+    <p:extLst>
+      <p:ext uri="{BB962C8B-B14F-4D97-AF65-F5344CB8AC3E}">
+        <p14:creationId xmlns:p14="http://schemas.microsoft.com/office/powerpoint/2010/main" val="3171102806"/>
+      </p:ext>
+    </p:extLst>
+  </p:cSld>
+  <p:clrMapOvr>
+    <a:masterClrMapping/>
+  </p:clrMapOvr>
+</p:notes>
+</file>
+
+<file path=ppt/notesSlides/notesSlide22.xml><?xml version="1.0" encoding="utf-8"?>
+<p:notes xmlns:a="http://schemas.openxmlformats.org/drawingml/2006/main" xmlns:r="http://schemas.openxmlformats.org/officeDocument/2006/relationships" xmlns:p="http://schemas.openxmlformats.org/presentationml/2006/main">
+  <p:cSld>
+    <p:spTree>
+      <p:nvGrpSpPr>
+        <p:cNvPr id="1" name=""/>
+        <p:cNvGrpSpPr/>
+        <p:nvPr/>
+      </p:nvGrpSpPr>
+      <p:grpSpPr>
+        <a:xfrm>
+          <a:off x="0" y="0"/>
+          <a:ext cx="0" cy="0"/>
+          <a:chOff x="0" y="0"/>
+          <a:chExt cx="0" cy="0"/>
+        </a:xfrm>
+      </p:grpSpPr>
+      <p:sp>
+        <p:nvSpPr>
+          <p:cNvPr id="2" name="Slide Image Placeholder 1"/>
+          <p:cNvSpPr>
+            <a:spLocks noGrp="1" noRot="1" noChangeAspect="1"/>
+          </p:cNvSpPr>
+          <p:nvPr>
+            <p:ph type="sldImg"/>
+          </p:nvPr>
+        </p:nvSpPr>
+        <p:spPr/>
+      </p:sp>
+      <p:sp>
+        <p:nvSpPr>
+          <p:cNvPr id="3" name="Notes Placeholder 2"/>
+          <p:cNvSpPr>
+            <a:spLocks noGrp="1"/>
+          </p:cNvSpPr>
+          <p:nvPr>
+            <p:ph type="body" idx="1"/>
+          </p:nvPr>
+        </p:nvSpPr>
+        <p:spPr/>
+        <p:txBody>
+          <a:bodyPr/>
+          <a:lstStyle/>
+          <a:p>
+            <a:endParaRPr lang="nl-NL"/>
+          </a:p>
+        </p:txBody>
+      </p:sp>
+      <p:sp>
+        <p:nvSpPr>
+          <p:cNvPr id="4" name="Slide Number Placeholder 3"/>
+          <p:cNvSpPr>
+            <a:spLocks noGrp="1"/>
+          </p:cNvSpPr>
+          <p:nvPr>
+            <p:ph type="sldNum" sz="quarter" idx="10"/>
+          </p:nvPr>
+        </p:nvSpPr>
+        <p:spPr/>
+        <p:txBody>
+          <a:bodyPr/>
+          <a:lstStyle/>
+          <a:p>
+            <a:fld id="{8C9DDBED-3E3D-43AF-B404-0A1C272252F3}" type="slidenum">
+              <a:rPr lang="nl-NL" smtClean="0"/>
+              <a:t>22</a:t>
+            </a:fld>
+            <a:endParaRPr lang="nl-NL"/>
+          </a:p>
+        </p:txBody>
+      </p:sp>
+    </p:spTree>
+    <p:extLst>
+      <p:ext uri="{BB962C8B-B14F-4D97-AF65-F5344CB8AC3E}">
+        <p14:creationId xmlns:p14="http://schemas.microsoft.com/office/powerpoint/2010/main" val="886609698"/>
+      </p:ext>
+    </p:extLst>
+  </p:cSld>
+  <p:clrMapOvr>
+    <a:masterClrMapping/>
+  </p:clrMapOvr>
+</p:notes>
+</file>
+
+<file path=ppt/notesSlides/notesSlide3.xml><?xml version="1.0" encoding="utf-8"?>
+<p:notes xmlns:a="http://schemas.openxmlformats.org/drawingml/2006/main" xmlns:r="http://schemas.openxmlformats.org/officeDocument/2006/relationships" xmlns:p="http://schemas.openxmlformats.org/presentationml/2006/main">
+  <p:cSld>
+    <p:spTree>
+      <p:nvGrpSpPr>
+        <p:cNvPr id="1" name=""/>
+        <p:cNvGrpSpPr/>
+        <p:nvPr/>
+      </p:nvGrpSpPr>
+      <p:grpSpPr>
+        <a:xfrm>
+          <a:off x="0" y="0"/>
+          <a:ext cx="0" cy="0"/>
+          <a:chOff x="0" y="0"/>
+          <a:chExt cx="0" cy="0"/>
+        </a:xfrm>
+      </p:grpSpPr>
+      <p:sp>
+        <p:nvSpPr>
+          <p:cNvPr id="2" name="Slide Image Placeholder 1"/>
+          <p:cNvSpPr>
+            <a:spLocks noGrp="1" noRot="1" noChangeAspect="1"/>
+          </p:cNvSpPr>
+          <p:nvPr>
+            <p:ph type="sldImg"/>
+          </p:nvPr>
+        </p:nvSpPr>
+        <p:spPr/>
+      </p:sp>
+      <p:sp>
+        <p:nvSpPr>
+          <p:cNvPr id="3" name="Notes Placeholder 2"/>
+          <p:cNvSpPr>
+            <a:spLocks noGrp="1"/>
+          </p:cNvSpPr>
+          <p:nvPr>
+            <p:ph type="body" idx="1"/>
+          </p:nvPr>
+        </p:nvSpPr>
+        <p:spPr/>
+        <p:txBody>
+          <a:bodyPr/>
+          <a:lstStyle/>
+          <a:p>
+            <a:endParaRPr lang="nl-NL"/>
+          </a:p>
+        </p:txBody>
+      </p:sp>
+      <p:sp>
+        <p:nvSpPr>
+          <p:cNvPr id="4" name="Slide Number Placeholder 3"/>
+          <p:cNvSpPr>
+            <a:spLocks noGrp="1"/>
+          </p:cNvSpPr>
+          <p:nvPr>
+            <p:ph type="sldNum" sz="quarter" idx="10"/>
+          </p:nvPr>
+        </p:nvSpPr>
+        <p:spPr/>
+        <p:txBody>
+          <a:bodyPr/>
+          <a:lstStyle/>
+          <a:p>
+            <a:fld id="{8C9DDBED-3E3D-43AF-B404-0A1C272252F3}" type="slidenum">
+              <a:rPr lang="nl-NL" smtClean="0"/>
+              <a:t>3</a:t>
+            </a:fld>
+            <a:endParaRPr lang="nl-NL"/>
+          </a:p>
+        </p:txBody>
+      </p:sp>
+    </p:spTree>
+    <p:extLst>
+      <p:ext uri="{BB962C8B-B14F-4D97-AF65-F5344CB8AC3E}">
+        <p14:creationId xmlns:p14="http://schemas.microsoft.com/office/powerpoint/2010/main" val="4170463187"/>
+      </p:ext>
+    </p:extLst>
+  </p:cSld>
+  <p:clrMapOvr>
+    <a:masterClrMapping/>
+  </p:clrMapOvr>
+</p:notes>
+</file>
+
+<file path=ppt/notesSlides/notesSlide4.xml><?xml version="1.0" encoding="utf-8"?>
+<p:notes xmlns:a="http://schemas.openxmlformats.org/drawingml/2006/main" xmlns:r="http://schemas.openxmlformats.org/officeDocument/2006/relationships" xmlns:p="http://schemas.openxmlformats.org/presentationml/2006/main">
+  <p:cSld>
+    <p:spTree>
+      <p:nvGrpSpPr>
+        <p:cNvPr id="1" name=""/>
+        <p:cNvGrpSpPr/>
+        <p:nvPr/>
+      </p:nvGrpSpPr>
+      <p:grpSpPr>
+        <a:xfrm>
+          <a:off x="0" y="0"/>
+          <a:ext cx="0" cy="0"/>
+          <a:chOff x="0" y="0"/>
+          <a:chExt cx="0" cy="0"/>
+        </a:xfrm>
+      </p:grpSpPr>
+      <p:sp>
+        <p:nvSpPr>
+          <p:cNvPr id="2" name="Slide Image Placeholder 1"/>
+          <p:cNvSpPr>
+            <a:spLocks noGrp="1" noRot="1" noChangeAspect="1"/>
+          </p:cNvSpPr>
+          <p:nvPr>
+            <p:ph type="sldImg"/>
+          </p:nvPr>
+        </p:nvSpPr>
+        <p:spPr/>
+      </p:sp>
+      <p:sp>
+        <p:nvSpPr>
+          <p:cNvPr id="3" name="Notes Placeholder 2"/>
+          <p:cNvSpPr>
+            <a:spLocks noGrp="1"/>
+          </p:cNvSpPr>
+          <p:nvPr>
+            <p:ph type="body" idx="1"/>
+          </p:nvPr>
+        </p:nvSpPr>
+        <p:spPr/>
+        <p:txBody>
+          <a:bodyPr/>
+          <a:lstStyle/>
+          <a:p>
+            <a:endParaRPr lang="nl-NL"/>
+          </a:p>
+        </p:txBody>
+      </p:sp>
+      <p:sp>
+        <p:nvSpPr>
+          <p:cNvPr id="4" name="Slide Number Placeholder 3"/>
+          <p:cNvSpPr>
+            <a:spLocks noGrp="1"/>
+          </p:cNvSpPr>
+          <p:nvPr>
+            <p:ph type="sldNum" sz="quarter" idx="10"/>
+          </p:nvPr>
+        </p:nvSpPr>
+        <p:spPr/>
+        <p:txBody>
+          <a:bodyPr/>
+          <a:lstStyle/>
+          <a:p>
+            <a:fld id="{8C9DDBED-3E3D-43AF-B404-0A1C272252F3}" type="slidenum">
+              <a:rPr lang="nl-NL" smtClean="0"/>
+              <a:t>4</a:t>
+            </a:fld>
+            <a:endParaRPr lang="nl-NL"/>
+          </a:p>
+        </p:txBody>
+      </p:sp>
+    </p:spTree>
+    <p:extLst>
+      <p:ext uri="{BB962C8B-B14F-4D97-AF65-F5344CB8AC3E}">
+        <p14:creationId xmlns:p14="http://schemas.microsoft.com/office/powerpoint/2010/main" val="3935362554"/>
+      </p:ext>
+    </p:extLst>
+  </p:cSld>
+  <p:clrMapOvr>
+    <a:masterClrMapping/>
+  </p:clrMapOvr>
+</p:notes>
+</file>
+
+<file path=ppt/notesSlides/notesSlide5.xml><?xml version="1.0" encoding="utf-8"?>
+<p:notes xmlns:a="http://schemas.openxmlformats.org/drawingml/2006/main" xmlns:r="http://schemas.openxmlformats.org/officeDocument/2006/relationships" xmlns:p="http://schemas.openxmlformats.org/presentationml/2006/main">
+  <p:cSld>
+    <p:spTree>
+      <p:nvGrpSpPr>
+        <p:cNvPr id="1" name=""/>
+        <p:cNvGrpSpPr/>
+        <p:nvPr/>
+      </p:nvGrpSpPr>
+      <p:grpSpPr>
+        <a:xfrm>
+          <a:off x="0" y="0"/>
+          <a:ext cx="0" cy="0"/>
+          <a:chOff x="0" y="0"/>
+          <a:chExt cx="0" cy="0"/>
+        </a:xfrm>
+      </p:grpSpPr>
+      <p:sp>
+        <p:nvSpPr>
+          <p:cNvPr id="2" name="Slide Image Placeholder 1"/>
+          <p:cNvSpPr>
+            <a:spLocks noGrp="1" noRot="1" noChangeAspect="1"/>
+          </p:cNvSpPr>
+          <p:nvPr>
+            <p:ph type="sldImg"/>
+          </p:nvPr>
+        </p:nvSpPr>
+        <p:spPr/>
+      </p:sp>
+      <p:sp>
+        <p:nvSpPr>
+          <p:cNvPr id="3" name="Notes Placeholder 2"/>
+          <p:cNvSpPr>
+            <a:spLocks noGrp="1"/>
+          </p:cNvSpPr>
+          <p:nvPr>
+            <p:ph type="body" idx="1"/>
+          </p:nvPr>
+        </p:nvSpPr>
+        <p:spPr/>
+        <p:txBody>
+          <a:bodyPr/>
+          <a:lstStyle/>
+          <a:p>
+            <a:endParaRPr lang="nl-NL"/>
+          </a:p>
+        </p:txBody>
+      </p:sp>
+      <p:sp>
+        <p:nvSpPr>
+          <p:cNvPr id="4" name="Slide Number Placeholder 3"/>
+          <p:cNvSpPr>
+            <a:spLocks noGrp="1"/>
+          </p:cNvSpPr>
+          <p:nvPr>
+            <p:ph type="sldNum" sz="quarter" idx="10"/>
+          </p:nvPr>
+        </p:nvSpPr>
+        <p:spPr/>
+        <p:txBody>
+          <a:bodyPr/>
+          <a:lstStyle/>
+          <a:p>
+            <a:fld id="{8C9DDBED-3E3D-43AF-B404-0A1C272252F3}" type="slidenum">
+              <a:rPr lang="nl-NL" smtClean="0"/>
+              <a:t>5</a:t>
+            </a:fld>
+            <a:endParaRPr lang="nl-NL"/>
+          </a:p>
+        </p:txBody>
+      </p:sp>
+    </p:spTree>
+    <p:extLst>
+      <p:ext uri="{BB962C8B-B14F-4D97-AF65-F5344CB8AC3E}">
+        <p14:creationId xmlns:p14="http://schemas.microsoft.com/office/powerpoint/2010/main" val="1338923829"/>
+      </p:ext>
+    </p:extLst>
+  </p:cSld>
+  <p:clrMapOvr>
+    <a:masterClrMapping/>
+  </p:clrMapOvr>
+</p:notes>
+</file>
+
+<file path=ppt/notesSlides/notesSlide6.xml><?xml version="1.0" encoding="utf-8"?>
+<p:notes xmlns:a="http://schemas.openxmlformats.org/drawingml/2006/main" xmlns:r="http://schemas.openxmlformats.org/officeDocument/2006/relationships" xmlns:p="http://schemas.openxmlformats.org/presentationml/2006/main">
+  <p:cSld>
+    <p:spTree>
+      <p:nvGrpSpPr>
+        <p:cNvPr id="1" name=""/>
+        <p:cNvGrpSpPr/>
+        <p:nvPr/>
+      </p:nvGrpSpPr>
+      <p:grpSpPr>
+        <a:xfrm>
+          <a:off x="0" y="0"/>
+          <a:ext cx="0" cy="0"/>
+          <a:chOff x="0" y="0"/>
+          <a:chExt cx="0" cy="0"/>
+        </a:xfrm>
+      </p:grpSpPr>
+      <p:sp>
+        <p:nvSpPr>
+          <p:cNvPr id="2" name="Slide Image Placeholder 1"/>
+          <p:cNvSpPr>
+            <a:spLocks noGrp="1" noRot="1" noChangeAspect="1"/>
+          </p:cNvSpPr>
+          <p:nvPr>
+            <p:ph type="sldImg"/>
+          </p:nvPr>
+        </p:nvSpPr>
+        <p:spPr/>
+      </p:sp>
+      <p:sp>
+        <p:nvSpPr>
+          <p:cNvPr id="3" name="Notes Placeholder 2"/>
+          <p:cNvSpPr>
+            <a:spLocks noGrp="1"/>
+          </p:cNvSpPr>
+          <p:nvPr>
+            <p:ph type="body" idx="1"/>
+          </p:nvPr>
+        </p:nvSpPr>
+        <p:spPr/>
+        <p:txBody>
+          <a:bodyPr/>
+          <a:lstStyle/>
+          <a:p>
+            <a:endParaRPr lang="nl-NL"/>
+          </a:p>
+        </p:txBody>
+      </p:sp>
+      <p:sp>
+        <p:nvSpPr>
+          <p:cNvPr id="4" name="Slide Number Placeholder 3"/>
+          <p:cNvSpPr>
+            <a:spLocks noGrp="1"/>
+          </p:cNvSpPr>
+          <p:nvPr>
+            <p:ph type="sldNum" sz="quarter" idx="10"/>
+          </p:nvPr>
+        </p:nvSpPr>
+        <p:spPr/>
+        <p:txBody>
+          <a:bodyPr/>
+          <a:lstStyle/>
+          <a:p>
+            <a:fld id="{8C9DDBED-3E3D-43AF-B404-0A1C272252F3}" type="slidenum">
+              <a:rPr lang="nl-NL" smtClean="0"/>
+              <a:t>6</a:t>
+            </a:fld>
+            <a:endParaRPr lang="nl-NL"/>
+          </a:p>
+        </p:txBody>
+      </p:sp>
+    </p:spTree>
+    <p:extLst>
+      <p:ext uri="{BB962C8B-B14F-4D97-AF65-F5344CB8AC3E}">
+        <p14:creationId xmlns:p14="http://schemas.microsoft.com/office/powerpoint/2010/main" val="1129491542"/>
+      </p:ext>
+    </p:extLst>
+  </p:cSld>
+  <p:clrMapOvr>
+    <a:masterClrMapping/>
+  </p:clrMapOvr>
+</p:notes>
+</file>
+
+<file path=ppt/notesSlides/notesSlide7.xml><?xml version="1.0" encoding="utf-8"?>
+<p:notes xmlns:a="http://schemas.openxmlformats.org/drawingml/2006/main" xmlns:r="http://schemas.openxmlformats.org/officeDocument/2006/relationships" xmlns:p="http://schemas.openxmlformats.org/presentationml/2006/main">
+  <p:cSld>
+    <p:spTree>
+      <p:nvGrpSpPr>
+        <p:cNvPr id="1" name=""/>
+        <p:cNvGrpSpPr/>
+        <p:nvPr/>
+      </p:nvGrpSpPr>
+      <p:grpSpPr>
+        <a:xfrm>
+          <a:off x="0" y="0"/>
+          <a:ext cx="0" cy="0"/>
+          <a:chOff x="0" y="0"/>
+          <a:chExt cx="0" cy="0"/>
+        </a:xfrm>
+      </p:grpSpPr>
+      <p:sp>
+        <p:nvSpPr>
+          <p:cNvPr id="2" name="Slide Image Placeholder 1"/>
+          <p:cNvSpPr>
+            <a:spLocks noGrp="1" noRot="1" noChangeAspect="1"/>
+          </p:cNvSpPr>
+          <p:nvPr>
+            <p:ph type="sldImg"/>
+          </p:nvPr>
+        </p:nvSpPr>
+        <p:spPr/>
+      </p:sp>
+      <p:sp>
+        <p:nvSpPr>
+          <p:cNvPr id="3" name="Notes Placeholder 2"/>
+          <p:cNvSpPr>
+            <a:spLocks noGrp="1"/>
+          </p:cNvSpPr>
+          <p:nvPr>
+            <p:ph type="body" idx="1"/>
+          </p:nvPr>
+        </p:nvSpPr>
+        <p:spPr/>
+        <p:txBody>
+          <a:bodyPr/>
+          <a:lstStyle/>
+          <a:p>
+            <a:endParaRPr lang="nl-NL"/>
+          </a:p>
+        </p:txBody>
+      </p:sp>
+      <p:sp>
+        <p:nvSpPr>
+          <p:cNvPr id="4" name="Slide Number Placeholder 3"/>
+          <p:cNvSpPr>
+            <a:spLocks noGrp="1"/>
+          </p:cNvSpPr>
+          <p:nvPr>
+            <p:ph type="sldNum" sz="quarter" idx="10"/>
+          </p:nvPr>
+        </p:nvSpPr>
+        <p:spPr/>
+        <p:txBody>
+          <a:bodyPr/>
+          <a:lstStyle/>
+          <a:p>
+            <a:fld id="{8C9DDBED-3E3D-43AF-B404-0A1C272252F3}" type="slidenum">
+              <a:rPr lang="nl-NL" smtClean="0"/>
+              <a:t>7</a:t>
+            </a:fld>
+            <a:endParaRPr lang="nl-NL"/>
+          </a:p>
+        </p:txBody>
+      </p:sp>
+    </p:spTree>
+    <p:extLst>
+      <p:ext uri="{BB962C8B-B14F-4D97-AF65-F5344CB8AC3E}">
+        <p14:creationId xmlns:p14="http://schemas.microsoft.com/office/powerpoint/2010/main" val="3433688954"/>
+      </p:ext>
+    </p:extLst>
+  </p:cSld>
+  <p:clrMapOvr>
+    <a:masterClrMapping/>
+  </p:clrMapOvr>
+</p:notes>
+</file>
+
+<file path=ppt/notesSlides/notesSlide8.xml><?xml version="1.0" encoding="utf-8"?>
+<p:notes xmlns:a="http://schemas.openxmlformats.org/drawingml/2006/main" xmlns:r="http://schemas.openxmlformats.org/officeDocument/2006/relationships" xmlns:p="http://schemas.openxmlformats.org/presentationml/2006/main">
+  <p:cSld>
+    <p:spTree>
+      <p:nvGrpSpPr>
+        <p:cNvPr id="1" name=""/>
+        <p:cNvGrpSpPr/>
+        <p:nvPr/>
+      </p:nvGrpSpPr>
+      <p:grpSpPr>
+        <a:xfrm>
+          <a:off x="0" y="0"/>
+          <a:ext cx="0" cy="0"/>
+          <a:chOff x="0" y="0"/>
+          <a:chExt cx="0" cy="0"/>
+        </a:xfrm>
+      </p:grpSpPr>
+      <p:sp>
+        <p:nvSpPr>
+          <p:cNvPr id="2" name="Slide Image Placeholder 1"/>
+          <p:cNvSpPr>
+            <a:spLocks noGrp="1" noRot="1" noChangeAspect="1"/>
+          </p:cNvSpPr>
+          <p:nvPr>
+            <p:ph type="sldImg"/>
+          </p:nvPr>
+        </p:nvSpPr>
+        <p:spPr/>
+      </p:sp>
+      <p:sp>
+        <p:nvSpPr>
+          <p:cNvPr id="3" name="Notes Placeholder 2"/>
+          <p:cNvSpPr>
+            <a:spLocks noGrp="1"/>
+          </p:cNvSpPr>
+          <p:nvPr>
+            <p:ph type="body" idx="1"/>
+          </p:nvPr>
+        </p:nvSpPr>
+        <p:spPr/>
+        <p:txBody>
+          <a:bodyPr/>
+          <a:lstStyle/>
+          <a:p>
+            <a:endParaRPr lang="nl-NL"/>
+          </a:p>
+        </p:txBody>
+      </p:sp>
+      <p:sp>
+        <p:nvSpPr>
+          <p:cNvPr id="4" name="Slide Number Placeholder 3"/>
+          <p:cNvSpPr>
+            <a:spLocks noGrp="1"/>
+          </p:cNvSpPr>
+          <p:nvPr>
+            <p:ph type="sldNum" sz="quarter" idx="10"/>
+          </p:nvPr>
+        </p:nvSpPr>
+        <p:spPr/>
+        <p:txBody>
+          <a:bodyPr/>
+          <a:lstStyle/>
+          <a:p>
+            <a:fld id="{8C9DDBED-3E3D-43AF-B404-0A1C272252F3}" type="slidenum">
+              <a:rPr lang="nl-NL" smtClean="0"/>
+              <a:t>8</a:t>
+            </a:fld>
+            <a:endParaRPr lang="nl-NL"/>
+          </a:p>
+        </p:txBody>
+      </p:sp>
+    </p:spTree>
+    <p:extLst>
+      <p:ext uri="{BB962C8B-B14F-4D97-AF65-F5344CB8AC3E}">
+        <p14:creationId xmlns:p14="http://schemas.microsoft.com/office/powerpoint/2010/main" val="2579506865"/>
+      </p:ext>
+    </p:extLst>
+  </p:cSld>
+  <p:clrMapOvr>
+    <a:masterClrMapping/>
+  </p:clrMapOvr>
+</p:notes>
+</file>
+
+<file path=ppt/notesSlides/notesSlide9.xml><?xml version="1.0" encoding="utf-8"?>
+<p:notes xmlns:a="http://schemas.openxmlformats.org/drawingml/2006/main" xmlns:r="http://schemas.openxmlformats.org/officeDocument/2006/relationships" xmlns:p="http://schemas.openxmlformats.org/presentationml/2006/main">
+  <p:cSld>
+    <p:spTree>
+      <p:nvGrpSpPr>
+        <p:cNvPr id="1" name=""/>
+        <p:cNvGrpSpPr/>
+        <p:nvPr/>
+      </p:nvGrpSpPr>
+      <p:grpSpPr>
+        <a:xfrm>
+          <a:off x="0" y="0"/>
+          <a:ext cx="0" cy="0"/>
+          <a:chOff x="0" y="0"/>
+          <a:chExt cx="0" cy="0"/>
+        </a:xfrm>
+      </p:grpSpPr>
+      <p:sp>
+        <p:nvSpPr>
+          <p:cNvPr id="2" name="Slide Image Placeholder 1"/>
+          <p:cNvSpPr>
+            <a:spLocks noGrp="1" noRot="1" noChangeAspect="1"/>
+          </p:cNvSpPr>
+          <p:nvPr>
+            <p:ph type="sldImg"/>
+          </p:nvPr>
+        </p:nvSpPr>
+        <p:spPr/>
+      </p:sp>
+      <p:sp>
+        <p:nvSpPr>
+          <p:cNvPr id="3" name="Notes Placeholder 2"/>
+          <p:cNvSpPr>
+            <a:spLocks noGrp="1"/>
+          </p:cNvSpPr>
+          <p:nvPr>
+            <p:ph type="body" idx="1"/>
+          </p:nvPr>
+        </p:nvSpPr>
+        <p:spPr/>
+        <p:txBody>
+          <a:bodyPr/>
+          <a:lstStyle/>
+          <a:p>
+            <a:endParaRPr lang="nl-NL"/>
+          </a:p>
+        </p:txBody>
+      </p:sp>
+      <p:sp>
+        <p:nvSpPr>
+          <p:cNvPr id="4" name="Slide Number Placeholder 3"/>
+          <p:cNvSpPr>
+            <a:spLocks noGrp="1"/>
+          </p:cNvSpPr>
+          <p:nvPr>
+            <p:ph type="sldNum" sz="quarter" idx="10"/>
+          </p:nvPr>
+        </p:nvSpPr>
+        <p:spPr/>
+        <p:txBody>
+          <a:bodyPr/>
+          <a:lstStyle/>
+          <a:p>
+            <a:fld id="{8C9DDBED-3E3D-43AF-B404-0A1C272252F3}" type="slidenum">
+              <a:rPr lang="nl-NL" smtClean="0"/>
+              <a:t>9</a:t>
+            </a:fld>
+            <a:endParaRPr lang="nl-NL"/>
+          </a:p>
+        </p:txBody>
+      </p:sp>
+    </p:spTree>
+    <p:extLst>
+      <p:ext uri="{BB962C8B-B14F-4D97-AF65-F5344CB8AC3E}">
+        <p14:creationId xmlns:p14="http://schemas.microsoft.com/office/powerpoint/2010/main" val="1537280274"/>
       </p:ext>
     </p:extLst>
   </p:cSld>
@@ -857,7 +2537,7 @@
           <a:p>
             <a:fld id="{DE04339C-2201-45A8-9ECB-B18791DD5D3F}" type="datetimeFigureOut">
               <a:rPr lang="nl-NL" smtClean="0"/>
-              <a:t>8-9-2016</a:t>
+              <a:t>12-9-2016</a:t>
             </a:fld>
             <a:endParaRPr lang="nl-NL"/>
           </a:p>
@@ -1022,7 +2702,7 @@
           <a:p>
             <a:fld id="{DE04339C-2201-45A8-9ECB-B18791DD5D3F}" type="datetimeFigureOut">
               <a:rPr lang="nl-NL" smtClean="0"/>
-              <a:t>8-9-2016</a:t>
+              <a:t>12-9-2016</a:t>
             </a:fld>
             <a:endParaRPr lang="nl-NL"/>
           </a:p>
@@ -1197,7 +2877,7 @@
           <a:p>
             <a:fld id="{DE04339C-2201-45A8-9ECB-B18791DD5D3F}" type="datetimeFigureOut">
               <a:rPr lang="nl-NL" smtClean="0"/>
-              <a:t>8-9-2016</a:t>
+              <a:t>12-9-2016</a:t>
             </a:fld>
             <a:endParaRPr lang="nl-NL"/>
           </a:p>
@@ -1380,7 +3060,7 @@
           <a:p>
             <a:fld id="{DE04339C-2201-45A8-9ECB-B18791DD5D3F}" type="datetimeFigureOut">
               <a:rPr lang="nl-NL" smtClean="0"/>
-              <a:t>8-9-2016</a:t>
+              <a:t>12-9-2016</a:t>
             </a:fld>
             <a:endParaRPr lang="nl-NL"/>
           </a:p>
@@ -1642,7 +3322,7 @@
           <a:p>
             <a:fld id="{DE04339C-2201-45A8-9ECB-B18791DD5D3F}" type="datetimeFigureOut">
               <a:rPr lang="nl-NL" smtClean="0"/>
-              <a:t>8-9-2016</a:t>
+              <a:t>12-9-2016</a:t>
             </a:fld>
             <a:endParaRPr lang="nl-NL"/>
           </a:p>
@@ -1990,7 +3670,7 @@
           <a:p>
             <a:fld id="{DE04339C-2201-45A8-9ECB-B18791DD5D3F}" type="datetimeFigureOut">
               <a:rPr lang="nl-NL" smtClean="0"/>
-              <a:t>8-9-2016</a:t>
+              <a:t>12-9-2016</a:t>
             </a:fld>
             <a:endParaRPr lang="nl-NL"/>
           </a:p>
@@ -2298,7 +3978,7 @@
           <a:p>
             <a:fld id="{DE04339C-2201-45A8-9ECB-B18791DD5D3F}" type="datetimeFigureOut">
               <a:rPr lang="nl-NL" smtClean="0"/>
-              <a:t>8-9-2016</a:t>
+              <a:t>12-9-2016</a:t>
             </a:fld>
             <a:endParaRPr lang="nl-NL"/>
           </a:p>
@@ -2525,7 +4205,7 @@
           <a:p>
             <a:fld id="{DE04339C-2201-45A8-9ECB-B18791DD5D3F}" type="datetimeFigureOut">
               <a:rPr lang="nl-NL" smtClean="0"/>
-              <a:t>8-9-2016</a:t>
+              <a:t>12-9-2016</a:t>
             </a:fld>
             <a:endParaRPr lang="nl-NL"/>
           </a:p>
@@ -2615,7 +4295,7 @@
           <a:p>
             <a:fld id="{DE04339C-2201-45A8-9ECB-B18791DD5D3F}" type="datetimeFigureOut">
               <a:rPr lang="nl-NL" smtClean="0"/>
-              <a:t>8-9-2016</a:t>
+              <a:t>12-9-2016</a:t>
             </a:fld>
             <a:endParaRPr lang="nl-NL"/>
           </a:p>
@@ -2903,7 +4583,7 @@
           <a:p>
             <a:fld id="{DE04339C-2201-45A8-9ECB-B18791DD5D3F}" type="datetimeFigureOut">
               <a:rPr lang="nl-NL" smtClean="0"/>
-              <a:t>8-9-2016</a:t>
+              <a:t>12-9-2016</a:t>
             </a:fld>
             <a:endParaRPr lang="nl-NL"/>
           </a:p>
@@ -3172,7 +4852,7 @@
           <a:p>
             <a:fld id="{DE04339C-2201-45A8-9ECB-B18791DD5D3F}" type="datetimeFigureOut">
               <a:rPr lang="nl-NL" smtClean="0"/>
-              <a:t>8-9-2016</a:t>
+              <a:t>12-9-2016</a:t>
             </a:fld>
             <a:endParaRPr lang="nl-NL"/>
           </a:p>
@@ -3382,7 +5062,7 @@
           <a:p>
             <a:fld id="{DE04339C-2201-45A8-9ECB-B18791DD5D3F}" type="datetimeFigureOut">
               <a:rPr lang="nl-NL" smtClean="0"/>
-              <a:t>8-9-2016</a:t>
+              <a:t>12-9-2016</a:t>
             </a:fld>
             <a:endParaRPr lang="nl-NL"/>
           </a:p>
@@ -4675,11 +6355,7 @@
             </a:pPr>
             <a:r>
               <a:rPr lang="en-US" dirty="0" smtClean="0"/>
-              <a:t>print </a:t>
-            </a:r>
-            <a:r>
-              <a:rPr lang="en-US" dirty="0" smtClean="0"/>
-              <a:t>(x) &lt;&lt;&lt; 2.666666</a:t>
+              <a:t>print (x) &lt;&lt;&lt; 2.666666</a:t>
             </a:r>
           </a:p>
           <a:p>
@@ -4703,15 +6379,7 @@
             </a:pPr>
             <a:r>
               <a:rPr lang="en-US" dirty="0" smtClean="0"/>
-              <a:t>x </a:t>
-            </a:r>
-            <a:r>
-              <a:rPr lang="en-US" dirty="0" smtClean="0"/>
-              <a:t>= 5 * </a:t>
-            </a:r>
-            <a:r>
-              <a:rPr lang="en-US" dirty="0" smtClean="0"/>
-              <a:t>8</a:t>
+              <a:t>x = 5 * 8</a:t>
             </a:r>
           </a:p>
           <a:p>
@@ -4737,7 +6405,6 @@
               <a:rPr lang="en-US" dirty="0" smtClean="0"/>
               <a:t>x = 10 -12</a:t>
             </a:r>
-            <a:endParaRPr lang="en-US" dirty="0" smtClean="0"/>
           </a:p>
           <a:p>
             <a:pPr marL="0" indent="0">
@@ -4762,7 +6429,7 @@
           <p:nvPr/>
         </p:nvPicPr>
         <p:blipFill>
-          <a:blip r:embed="rId2">
+          <a:blip r:embed="rId3">
             <a:extLst>
               <a:ext uri="{28A0092B-C50C-407E-A947-70E740481C1C}">
                 <a14:useLocalDpi xmlns:a14="http://schemas.microsoft.com/office/drawing/2010/main" val="0"/>
@@ -4998,7 +6665,7 @@
           <p:nvPr/>
         </p:nvPicPr>
         <p:blipFill>
-          <a:blip r:embed="rId2">
+          <a:blip r:embed="rId3">
             <a:extLst>
               <a:ext uri="{28A0092B-C50C-407E-A947-70E740481C1C}">
                 <a14:useLocalDpi xmlns:a14="http://schemas.microsoft.com/office/drawing/2010/main" val="0"/>
@@ -5039,7 +6706,7 @@
           <p:nvPr/>
         </p:nvPicPr>
         <p:blipFill>
-          <a:blip r:embed="rId3">
+          <a:blip r:embed="rId4">
             <a:extLst>
               <a:ext uri="{28A0092B-C50C-407E-A947-70E740481C1C}">
                 <a14:useLocalDpi xmlns:a14="http://schemas.microsoft.com/office/drawing/2010/main" val="0"/>
@@ -5710,7 +7377,7 @@
           <p:nvPr/>
         </p:nvPicPr>
         <p:blipFill>
-          <a:blip r:embed="rId2">
+          <a:blip r:embed="rId3">
             <a:extLst>
               <a:ext uri="{28A0092B-C50C-407E-A947-70E740481C1C}">
                 <a14:useLocalDpi xmlns:a14="http://schemas.microsoft.com/office/drawing/2010/main" val="0"/>
@@ -5869,15 +7536,7 @@
             </a:pPr>
             <a:r>
               <a:rPr lang="en-US" dirty="0" smtClean="0"/>
-              <a:t>x = “hello” +  </a:t>
-            </a:r>
-            <a:r>
-              <a:rPr lang="en-US" dirty="0" smtClean="0"/>
-              <a:t>“ world</a:t>
-            </a:r>
-            <a:r>
-              <a:rPr lang="en-US" dirty="0" smtClean="0"/>
-              <a:t>” </a:t>
+              <a:t>x = “hello” +  “ world” </a:t>
             </a:r>
           </a:p>
           <a:p>
@@ -6393,11 +8052,7 @@
             </a:r>
             <a:r>
               <a:rPr lang="en-US" dirty="0" smtClean="0"/>
-              <a:t>   </a:t>
-            </a:r>
-            <a:r>
-              <a:rPr lang="en-US" dirty="0" smtClean="0"/>
-              <a:t>Conditions </a:t>
+              <a:t>   Conditions </a:t>
             </a:r>
             <a:endParaRPr lang="en-US" dirty="0"/>
           </a:p>
@@ -6691,7 +8346,7 @@
           <p:nvPr/>
         </p:nvPicPr>
         <p:blipFill>
-          <a:blip r:embed="rId2">
+          <a:blip r:embed="rId3">
             <a:extLst>
               <a:ext uri="{28A0092B-C50C-407E-A947-70E740481C1C}">
                 <a14:useLocalDpi xmlns:a14="http://schemas.microsoft.com/office/drawing/2010/main" val="0"/>
@@ -6850,7 +8505,7 @@
           <p:nvPr/>
         </p:nvPicPr>
         <p:blipFill>
-          <a:blip r:embed="rId2">
+          <a:blip r:embed="rId3">
             <a:extLst>
               <a:ext uri="{28A0092B-C50C-407E-A947-70E740481C1C}">
                 <a14:useLocalDpi xmlns:a14="http://schemas.microsoft.com/office/drawing/2010/main" val="0"/>
@@ -6968,13 +8623,13 @@
             </a:pPr>
             <a:r>
               <a:rPr lang="nl-NL" sz="1800" dirty="0">
-                <a:hlinkClick r:id="rId2"/>
+                <a:hlinkClick r:id="rId3"/>
               </a:rPr>
               <a:t>https://</a:t>
             </a:r>
             <a:r>
               <a:rPr lang="nl-NL" sz="1800" dirty="0" smtClean="0">
-                <a:hlinkClick r:id="rId2"/>
+                <a:hlinkClick r:id="rId3"/>
               </a:rPr>
               <a:t>github.com/vmuijrers/ECTTP/blob/master/Labs/Lab_2.md</a:t>
             </a:r>
@@ -7183,7 +8838,7 @@
           <p:nvPr/>
         </p:nvPicPr>
         <p:blipFill>
-          <a:blip r:embed="rId2">
+          <a:blip r:embed="rId3">
             <a:extLst>
               <a:ext uri="{28A0092B-C50C-407E-A947-70E740481C1C}">
                 <a14:useLocalDpi xmlns:a14="http://schemas.microsoft.com/office/drawing/2010/main" val="0"/>
@@ -7409,7 +9064,7 @@
           <p:nvPr/>
         </p:nvPicPr>
         <p:blipFill>
-          <a:blip r:embed="rId2" cstate="print">
+          <a:blip r:embed="rId3" cstate="print">
             <a:extLst>
               <a:ext uri="{28A0092B-C50C-407E-A947-70E740481C1C}">
                 <a14:useLocalDpi xmlns:a14="http://schemas.microsoft.com/office/drawing/2010/main" val="0"/>
@@ -8237,7 +9892,7 @@
           <p:nvPr/>
         </p:nvPicPr>
         <p:blipFill>
-          <a:blip r:embed="rId2" cstate="print">
+          <a:blip r:embed="rId3" cstate="print">
             <a:extLst>
               <a:ext uri="{28A0092B-C50C-407E-A947-70E740481C1C}">
                 <a14:useLocalDpi xmlns:a14="http://schemas.microsoft.com/office/drawing/2010/main" val="0"/>

--- a/Slides/ECTTP_Les_2_Variables_And_Operators.pptx
+++ b/Slides/ECTTP_Les_2_Variables_And_Operators.pptx
@@ -213,7 +213,7 @@
           <a:p>
             <a:fld id="{982F5773-A4C2-49AD-B804-F6F9DAD548FC}" type="datetimeFigureOut">
               <a:rPr lang="nl-NL" smtClean="0"/>
-              <a:t>12-9-2016</a:t>
+              <a:t>13-9-2016</a:t>
             </a:fld>
             <a:endParaRPr lang="nl-NL"/>
           </a:p>
@@ -2537,7 +2537,7 @@
           <a:p>
             <a:fld id="{DE04339C-2201-45A8-9ECB-B18791DD5D3F}" type="datetimeFigureOut">
               <a:rPr lang="nl-NL" smtClean="0"/>
-              <a:t>12-9-2016</a:t>
+              <a:t>13-9-2016</a:t>
             </a:fld>
             <a:endParaRPr lang="nl-NL"/>
           </a:p>
@@ -2702,7 +2702,7 @@
           <a:p>
             <a:fld id="{DE04339C-2201-45A8-9ECB-B18791DD5D3F}" type="datetimeFigureOut">
               <a:rPr lang="nl-NL" smtClean="0"/>
-              <a:t>12-9-2016</a:t>
+              <a:t>13-9-2016</a:t>
             </a:fld>
             <a:endParaRPr lang="nl-NL"/>
           </a:p>
@@ -2877,7 +2877,7 @@
           <a:p>
             <a:fld id="{DE04339C-2201-45A8-9ECB-B18791DD5D3F}" type="datetimeFigureOut">
               <a:rPr lang="nl-NL" smtClean="0"/>
-              <a:t>12-9-2016</a:t>
+              <a:t>13-9-2016</a:t>
             </a:fld>
             <a:endParaRPr lang="nl-NL"/>
           </a:p>
@@ -3060,7 +3060,7 @@
           <a:p>
             <a:fld id="{DE04339C-2201-45A8-9ECB-B18791DD5D3F}" type="datetimeFigureOut">
               <a:rPr lang="nl-NL" smtClean="0"/>
-              <a:t>12-9-2016</a:t>
+              <a:t>13-9-2016</a:t>
             </a:fld>
             <a:endParaRPr lang="nl-NL"/>
           </a:p>
@@ -3322,7 +3322,7 @@
           <a:p>
             <a:fld id="{DE04339C-2201-45A8-9ECB-B18791DD5D3F}" type="datetimeFigureOut">
               <a:rPr lang="nl-NL" smtClean="0"/>
-              <a:t>12-9-2016</a:t>
+              <a:t>13-9-2016</a:t>
             </a:fld>
             <a:endParaRPr lang="nl-NL"/>
           </a:p>
@@ -3670,7 +3670,7 @@
           <a:p>
             <a:fld id="{DE04339C-2201-45A8-9ECB-B18791DD5D3F}" type="datetimeFigureOut">
               <a:rPr lang="nl-NL" smtClean="0"/>
-              <a:t>12-9-2016</a:t>
+              <a:t>13-9-2016</a:t>
             </a:fld>
             <a:endParaRPr lang="nl-NL"/>
           </a:p>
@@ -3978,7 +3978,7 @@
           <a:p>
             <a:fld id="{DE04339C-2201-45A8-9ECB-B18791DD5D3F}" type="datetimeFigureOut">
               <a:rPr lang="nl-NL" smtClean="0"/>
-              <a:t>12-9-2016</a:t>
+              <a:t>13-9-2016</a:t>
             </a:fld>
             <a:endParaRPr lang="nl-NL"/>
           </a:p>
@@ -4205,7 +4205,7 @@
           <a:p>
             <a:fld id="{DE04339C-2201-45A8-9ECB-B18791DD5D3F}" type="datetimeFigureOut">
               <a:rPr lang="nl-NL" smtClean="0"/>
-              <a:t>12-9-2016</a:t>
+              <a:t>13-9-2016</a:t>
             </a:fld>
             <a:endParaRPr lang="nl-NL"/>
           </a:p>
@@ -4295,7 +4295,7 @@
           <a:p>
             <a:fld id="{DE04339C-2201-45A8-9ECB-B18791DD5D3F}" type="datetimeFigureOut">
               <a:rPr lang="nl-NL" smtClean="0"/>
-              <a:t>12-9-2016</a:t>
+              <a:t>13-9-2016</a:t>
             </a:fld>
             <a:endParaRPr lang="nl-NL"/>
           </a:p>
@@ -4583,7 +4583,7 @@
           <a:p>
             <a:fld id="{DE04339C-2201-45A8-9ECB-B18791DD5D3F}" type="datetimeFigureOut">
               <a:rPr lang="nl-NL" smtClean="0"/>
-              <a:t>12-9-2016</a:t>
+              <a:t>13-9-2016</a:t>
             </a:fld>
             <a:endParaRPr lang="nl-NL"/>
           </a:p>
@@ -4852,7 +4852,7 @@
           <a:p>
             <a:fld id="{DE04339C-2201-45A8-9ECB-B18791DD5D3F}" type="datetimeFigureOut">
               <a:rPr lang="nl-NL" smtClean="0"/>
-              <a:t>12-9-2016</a:t>
+              <a:t>13-9-2016</a:t>
             </a:fld>
             <a:endParaRPr lang="nl-NL"/>
           </a:p>
@@ -5062,7 +5062,7 @@
           <a:p>
             <a:fld id="{DE04339C-2201-45A8-9ECB-B18791DD5D3F}" type="datetimeFigureOut">
               <a:rPr lang="nl-NL" smtClean="0"/>
-              <a:t>12-9-2016</a:t>
+              <a:t>13-9-2016</a:t>
             </a:fld>
             <a:endParaRPr lang="nl-NL"/>
           </a:p>
